--- a/Risk Models.pptx
+++ b/Risk Models.pptx
@@ -8,6 +8,9 @@
     <p:sldId id="256" r:id="rId2"/>
     <p:sldId id="257" r:id="rId3"/>
     <p:sldId id="258" r:id="rId4"/>
+    <p:sldId id="259" r:id="rId5"/>
+    <p:sldId id="260" r:id="rId6"/>
+    <p:sldId id="261" r:id="rId7"/>
   </p:sldIdLst>
   <p:sldSz cx="12192000" cy="6858000"/>
   <p:notesSz cx="6858000" cy="9144000"/>
@@ -245,7 +248,7 @@
           <a:p>
             <a:fld id="{E8B6CBB8-59B9-4B15-862E-9F9EA068EDD7}" type="datetimeFigureOut">
               <a:rPr lang="en-CA" smtClean="0"/>
-              <a:t>2017-01-26</a:t>
+              <a:t>2017-02-16</a:t>
             </a:fld>
             <a:endParaRPr lang="en-CA"/>
           </a:p>
@@ -415,7 +418,7 @@
           <a:p>
             <a:fld id="{E8B6CBB8-59B9-4B15-862E-9F9EA068EDD7}" type="datetimeFigureOut">
               <a:rPr lang="en-CA" smtClean="0"/>
-              <a:t>2017-01-26</a:t>
+              <a:t>2017-02-16</a:t>
             </a:fld>
             <a:endParaRPr lang="en-CA"/>
           </a:p>
@@ -595,7 +598,7 @@
           <a:p>
             <a:fld id="{E8B6CBB8-59B9-4B15-862E-9F9EA068EDD7}" type="datetimeFigureOut">
               <a:rPr lang="en-CA" smtClean="0"/>
-              <a:t>2017-01-26</a:t>
+              <a:t>2017-02-16</a:t>
             </a:fld>
             <a:endParaRPr lang="en-CA"/>
           </a:p>
@@ -765,7 +768,7 @@
           <a:p>
             <a:fld id="{E8B6CBB8-59B9-4B15-862E-9F9EA068EDD7}" type="datetimeFigureOut">
               <a:rPr lang="en-CA" smtClean="0"/>
-              <a:t>2017-01-26</a:t>
+              <a:t>2017-02-16</a:t>
             </a:fld>
             <a:endParaRPr lang="en-CA"/>
           </a:p>
@@ -1011,7 +1014,7 @@
           <a:p>
             <a:fld id="{E8B6CBB8-59B9-4B15-862E-9F9EA068EDD7}" type="datetimeFigureOut">
               <a:rPr lang="en-CA" smtClean="0"/>
-              <a:t>2017-01-26</a:t>
+              <a:t>2017-02-16</a:t>
             </a:fld>
             <a:endParaRPr lang="en-CA"/>
           </a:p>
@@ -1243,7 +1246,7 @@
           <a:p>
             <a:fld id="{E8B6CBB8-59B9-4B15-862E-9F9EA068EDD7}" type="datetimeFigureOut">
               <a:rPr lang="en-CA" smtClean="0"/>
-              <a:t>2017-01-26</a:t>
+              <a:t>2017-02-16</a:t>
             </a:fld>
             <a:endParaRPr lang="en-CA"/>
           </a:p>
@@ -1610,7 +1613,7 @@
           <a:p>
             <a:fld id="{E8B6CBB8-59B9-4B15-862E-9F9EA068EDD7}" type="datetimeFigureOut">
               <a:rPr lang="en-CA" smtClean="0"/>
-              <a:t>2017-01-26</a:t>
+              <a:t>2017-02-16</a:t>
             </a:fld>
             <a:endParaRPr lang="en-CA"/>
           </a:p>
@@ -1728,7 +1731,7 @@
           <a:p>
             <a:fld id="{E8B6CBB8-59B9-4B15-862E-9F9EA068EDD7}" type="datetimeFigureOut">
               <a:rPr lang="en-CA" smtClean="0"/>
-              <a:t>2017-01-26</a:t>
+              <a:t>2017-02-16</a:t>
             </a:fld>
             <a:endParaRPr lang="en-CA"/>
           </a:p>
@@ -1823,7 +1826,7 @@
           <a:p>
             <a:fld id="{E8B6CBB8-59B9-4B15-862E-9F9EA068EDD7}" type="datetimeFigureOut">
               <a:rPr lang="en-CA" smtClean="0"/>
-              <a:t>2017-01-26</a:t>
+              <a:t>2017-02-16</a:t>
             </a:fld>
             <a:endParaRPr lang="en-CA"/>
           </a:p>
@@ -2100,7 +2103,7 @@
           <a:p>
             <a:fld id="{E8B6CBB8-59B9-4B15-862E-9F9EA068EDD7}" type="datetimeFigureOut">
               <a:rPr lang="en-CA" smtClean="0"/>
-              <a:t>2017-01-26</a:t>
+              <a:t>2017-02-16</a:t>
             </a:fld>
             <a:endParaRPr lang="en-CA"/>
           </a:p>
@@ -2353,7 +2356,7 @@
           <a:p>
             <a:fld id="{E8B6CBB8-59B9-4B15-862E-9F9EA068EDD7}" type="datetimeFigureOut">
               <a:rPr lang="en-CA" smtClean="0"/>
-              <a:t>2017-01-26</a:t>
+              <a:t>2017-02-16</a:t>
             </a:fld>
             <a:endParaRPr lang="en-CA"/>
           </a:p>
@@ -2566,7 +2569,7 @@
           <a:p>
             <a:fld id="{E8B6CBB8-59B9-4B15-862E-9F9EA068EDD7}" type="datetimeFigureOut">
               <a:rPr lang="en-CA" smtClean="0"/>
-              <a:t>2017-01-26</a:t>
+              <a:t>2017-02-16</a:t>
             </a:fld>
             <a:endParaRPr lang="en-CA"/>
           </a:p>
@@ -6851,6 +6854,2437 @@
 </p:sld>
 </file>
 
+<file path=ppt/slides/slide4.xml><?xml version="1.0" encoding="utf-8"?>
+<p:sld xmlns:a="http://schemas.openxmlformats.org/drawingml/2006/main" xmlns:r="http://schemas.openxmlformats.org/officeDocument/2006/relationships" xmlns:p="http://schemas.openxmlformats.org/presentationml/2006/main">
+  <p:cSld>
+    <p:spTree>
+      <p:nvGrpSpPr>
+        <p:cNvPr id="1" name=""/>
+        <p:cNvGrpSpPr/>
+        <p:nvPr/>
+      </p:nvGrpSpPr>
+      <p:grpSpPr>
+        <a:xfrm>
+          <a:off x="0" y="0"/>
+          <a:ext cx="0" cy="0"/>
+          <a:chOff x="0" y="0"/>
+          <a:chExt cx="0" cy="0"/>
+        </a:xfrm>
+      </p:grpSpPr>
+      <p:sp>
+        <p:nvSpPr>
+          <p:cNvPr id="4" name="Rounded Rectangle 3"/>
+          <p:cNvSpPr/>
+          <p:nvPr/>
+        </p:nvSpPr>
+        <p:spPr>
+          <a:xfrm>
+            <a:off x="980303" y="807308"/>
+            <a:ext cx="724929" cy="230660"/>
+          </a:xfrm>
+          <a:prstGeom prst="roundRect">
+            <a:avLst/>
+          </a:prstGeom>
+        </p:spPr>
+        <p:style>
+          <a:lnRef idx="2">
+            <a:schemeClr val="dk1"/>
+          </a:lnRef>
+          <a:fillRef idx="1">
+            <a:schemeClr val="lt1"/>
+          </a:fillRef>
+          <a:effectRef idx="0">
+            <a:schemeClr val="dk1"/>
+          </a:effectRef>
+          <a:fontRef idx="minor">
+            <a:schemeClr val="dk1"/>
+          </a:fontRef>
+        </p:style>
+        <p:txBody>
+          <a:bodyPr rtlCol="0" anchor="ctr"/>
+          <a:lstStyle/>
+          <a:p>
+            <a:pPr algn="ctr"/>
+            <a:r>
+              <a:rPr lang="en-CA" sz="1100" dirty="0" smtClean="0"/>
+              <a:t>User</a:t>
+            </a:r>
+            <a:endParaRPr lang="en-CA" sz="1100" dirty="0"/>
+          </a:p>
+        </p:txBody>
+      </p:sp>
+      <p:sp>
+        <p:nvSpPr>
+          <p:cNvPr id="5" name="Rounded Rectangle 4"/>
+          <p:cNvSpPr/>
+          <p:nvPr/>
+        </p:nvSpPr>
+        <p:spPr>
+          <a:xfrm>
+            <a:off x="922637" y="1373657"/>
+            <a:ext cx="836141" cy="230660"/>
+          </a:xfrm>
+          <a:prstGeom prst="roundRect">
+            <a:avLst/>
+          </a:prstGeom>
+        </p:spPr>
+        <p:style>
+          <a:lnRef idx="2">
+            <a:schemeClr val="dk1"/>
+          </a:lnRef>
+          <a:fillRef idx="1">
+            <a:schemeClr val="lt1"/>
+          </a:fillRef>
+          <a:effectRef idx="0">
+            <a:schemeClr val="dk1"/>
+          </a:effectRef>
+          <a:fontRef idx="minor">
+            <a:schemeClr val="dk1"/>
+          </a:fontRef>
+        </p:style>
+        <p:txBody>
+          <a:bodyPr rtlCol="0" anchor="ctr"/>
+          <a:lstStyle/>
+          <a:p>
+            <a:pPr algn="ctr"/>
+            <a:r>
+              <a:rPr lang="en-CA" sz="1100" dirty="0" smtClean="0"/>
+              <a:t>Graph</a:t>
+            </a:r>
+            <a:endParaRPr lang="en-CA" sz="1100" dirty="0"/>
+          </a:p>
+        </p:txBody>
+      </p:sp>
+      <p:sp>
+        <p:nvSpPr>
+          <p:cNvPr id="6" name="Rounded Rectangle 5"/>
+          <p:cNvSpPr/>
+          <p:nvPr/>
+        </p:nvSpPr>
+        <p:spPr>
+          <a:xfrm>
+            <a:off x="731106" y="2042985"/>
+            <a:ext cx="1202726" cy="308918"/>
+          </a:xfrm>
+          <a:prstGeom prst="roundRect">
+            <a:avLst/>
+          </a:prstGeom>
+        </p:spPr>
+        <p:style>
+          <a:lnRef idx="2">
+            <a:schemeClr val="dk1"/>
+          </a:lnRef>
+          <a:fillRef idx="1">
+            <a:schemeClr val="lt1"/>
+          </a:fillRef>
+          <a:effectRef idx="0">
+            <a:schemeClr val="dk1"/>
+          </a:effectRef>
+          <a:fontRef idx="minor">
+            <a:schemeClr val="dk1"/>
+          </a:fontRef>
+        </p:style>
+        <p:txBody>
+          <a:bodyPr rtlCol="0" anchor="ctr"/>
+          <a:lstStyle/>
+          <a:p>
+            <a:pPr algn="ctr"/>
+            <a:r>
+              <a:rPr lang="en-CA" sz="1100" dirty="0" smtClean="0"/>
+              <a:t>Important Computation</a:t>
+            </a:r>
+            <a:endParaRPr lang="en-CA" sz="1100" dirty="0"/>
+          </a:p>
+        </p:txBody>
+      </p:sp>
+      <p:sp>
+        <p:nvSpPr>
+          <p:cNvPr id="7" name="Rounded Rectangle 6"/>
+          <p:cNvSpPr/>
+          <p:nvPr/>
+        </p:nvSpPr>
+        <p:spPr>
+          <a:xfrm>
+            <a:off x="720810" y="2718488"/>
+            <a:ext cx="1239794" cy="329512"/>
+          </a:xfrm>
+          <a:prstGeom prst="roundRect">
+            <a:avLst/>
+          </a:prstGeom>
+        </p:spPr>
+        <p:style>
+          <a:lnRef idx="2">
+            <a:schemeClr val="dk1"/>
+          </a:lnRef>
+          <a:fillRef idx="1">
+            <a:schemeClr val="lt1"/>
+          </a:fillRef>
+          <a:effectRef idx="0">
+            <a:schemeClr val="dk1"/>
+          </a:effectRef>
+          <a:fontRef idx="minor">
+            <a:schemeClr val="dk1"/>
+          </a:fontRef>
+        </p:style>
+        <p:txBody>
+          <a:bodyPr rtlCol="0" anchor="ctr"/>
+          <a:lstStyle/>
+          <a:p>
+            <a:pPr algn="ctr"/>
+            <a:r>
+              <a:rPr lang="en-CA" sz="1100" dirty="0" smtClean="0"/>
+              <a:t>Recommendation</a:t>
+            </a:r>
+            <a:endParaRPr lang="en-CA" sz="1100" dirty="0"/>
+          </a:p>
+        </p:txBody>
+      </p:sp>
+      <p:sp>
+        <p:nvSpPr>
+          <p:cNvPr id="8" name="Rounded Rectangle 7"/>
+          <p:cNvSpPr/>
+          <p:nvPr/>
+        </p:nvSpPr>
+        <p:spPr>
+          <a:xfrm>
+            <a:off x="2739079" y="792890"/>
+            <a:ext cx="724929" cy="230660"/>
+          </a:xfrm>
+          <a:prstGeom prst="roundRect">
+            <a:avLst/>
+          </a:prstGeom>
+        </p:spPr>
+        <p:style>
+          <a:lnRef idx="2">
+            <a:schemeClr val="dk1"/>
+          </a:lnRef>
+          <a:fillRef idx="1">
+            <a:schemeClr val="lt1"/>
+          </a:fillRef>
+          <a:effectRef idx="0">
+            <a:schemeClr val="dk1"/>
+          </a:effectRef>
+          <a:fontRef idx="minor">
+            <a:schemeClr val="dk1"/>
+          </a:fontRef>
+        </p:style>
+        <p:txBody>
+          <a:bodyPr rtlCol="0" anchor="ctr"/>
+          <a:lstStyle/>
+          <a:p>
+            <a:pPr algn="ctr"/>
+            <a:r>
+              <a:rPr lang="en-CA" sz="1100" dirty="0" smtClean="0"/>
+              <a:t>Profile</a:t>
+            </a:r>
+            <a:endParaRPr lang="en-CA" sz="1100" dirty="0"/>
+          </a:p>
+        </p:txBody>
+      </p:sp>
+      <p:sp>
+        <p:nvSpPr>
+          <p:cNvPr id="9" name="Rounded Rectangle 8"/>
+          <p:cNvSpPr/>
+          <p:nvPr/>
+        </p:nvSpPr>
+        <p:spPr>
+          <a:xfrm>
+            <a:off x="2491943" y="1272744"/>
+            <a:ext cx="1223319" cy="300681"/>
+          </a:xfrm>
+          <a:prstGeom prst="roundRect">
+            <a:avLst/>
+          </a:prstGeom>
+        </p:spPr>
+        <p:style>
+          <a:lnRef idx="2">
+            <a:schemeClr val="dk1"/>
+          </a:lnRef>
+          <a:fillRef idx="1">
+            <a:schemeClr val="lt1"/>
+          </a:fillRef>
+          <a:effectRef idx="0">
+            <a:schemeClr val="dk1"/>
+          </a:effectRef>
+          <a:fontRef idx="minor">
+            <a:schemeClr val="dk1"/>
+          </a:fontRef>
+        </p:style>
+        <p:txBody>
+          <a:bodyPr rtlCol="0" anchor="ctr"/>
+          <a:lstStyle/>
+          <a:p>
+            <a:pPr algn="ctr"/>
+            <a:r>
+              <a:rPr lang="en-CA" sz="1100" dirty="0" smtClean="0"/>
+              <a:t>Content-based Similarity</a:t>
+            </a:r>
+            <a:endParaRPr lang="en-CA" sz="1100" dirty="0"/>
+          </a:p>
+        </p:txBody>
+      </p:sp>
+      <p:sp>
+        <p:nvSpPr>
+          <p:cNvPr id="10" name="Rounded Rectangle 9"/>
+          <p:cNvSpPr/>
+          <p:nvPr/>
+        </p:nvSpPr>
+        <p:spPr>
+          <a:xfrm>
+            <a:off x="2681413" y="1913233"/>
+            <a:ext cx="844378" cy="230660"/>
+          </a:xfrm>
+          <a:prstGeom prst="roundRect">
+            <a:avLst/>
+          </a:prstGeom>
+        </p:spPr>
+        <p:style>
+          <a:lnRef idx="2">
+            <a:schemeClr val="dk1"/>
+          </a:lnRef>
+          <a:fillRef idx="1">
+            <a:schemeClr val="lt1"/>
+          </a:fillRef>
+          <a:effectRef idx="0">
+            <a:schemeClr val="dk1"/>
+          </a:effectRef>
+          <a:fontRef idx="minor">
+            <a:schemeClr val="dk1"/>
+          </a:fontRef>
+        </p:style>
+        <p:txBody>
+          <a:bodyPr rtlCol="0" anchor="ctr"/>
+          <a:lstStyle/>
+          <a:p>
+            <a:pPr algn="ctr"/>
+            <a:r>
+              <a:rPr lang="en-CA" sz="1100" dirty="0" smtClean="0"/>
+              <a:t>Interaction</a:t>
+            </a:r>
+            <a:endParaRPr lang="en-CA" sz="1100" dirty="0"/>
+          </a:p>
+        </p:txBody>
+      </p:sp>
+      <p:cxnSp>
+        <p:nvCxnSpPr>
+          <p:cNvPr id="12" name="Straight Connector 11"/>
+          <p:cNvCxnSpPr/>
+          <p:nvPr/>
+        </p:nvCxnSpPr>
+        <p:spPr>
+          <a:xfrm>
+            <a:off x="2248930" y="518984"/>
+            <a:ext cx="41189" cy="3097427"/>
+          </a:xfrm>
+          <a:prstGeom prst="line">
+            <a:avLst/>
+          </a:prstGeom>
+        </p:spPr>
+        <p:style>
+          <a:lnRef idx="2">
+            <a:schemeClr val="accent2"/>
+          </a:lnRef>
+          <a:fillRef idx="0">
+            <a:schemeClr val="accent2"/>
+          </a:fillRef>
+          <a:effectRef idx="1">
+            <a:schemeClr val="accent2"/>
+          </a:effectRef>
+          <a:fontRef idx="minor">
+            <a:schemeClr val="tx1"/>
+          </a:fontRef>
+        </p:style>
+      </p:cxnSp>
+      <p:cxnSp>
+        <p:nvCxnSpPr>
+          <p:cNvPr id="14" name="Straight Arrow Connector 13"/>
+          <p:cNvCxnSpPr>
+            <a:stCxn id="4" idx="2"/>
+            <a:endCxn id="5" idx="0"/>
+          </p:cNvCxnSpPr>
+          <p:nvPr/>
+        </p:nvCxnSpPr>
+        <p:spPr>
+          <a:xfrm flipH="1">
+            <a:off x="1340708" y="1037968"/>
+            <a:ext cx="2060" cy="335689"/>
+          </a:xfrm>
+          <a:prstGeom prst="straightConnector1">
+            <a:avLst/>
+          </a:prstGeom>
+          <a:ln>
+            <a:tailEnd type="triangle"/>
+          </a:ln>
+        </p:spPr>
+        <p:style>
+          <a:lnRef idx="2">
+            <a:schemeClr val="dk1"/>
+          </a:lnRef>
+          <a:fillRef idx="0">
+            <a:schemeClr val="dk1"/>
+          </a:fillRef>
+          <a:effectRef idx="1">
+            <a:schemeClr val="dk1"/>
+          </a:effectRef>
+          <a:fontRef idx="minor">
+            <a:schemeClr val="tx1"/>
+          </a:fontRef>
+        </p:style>
+      </p:cxnSp>
+      <p:cxnSp>
+        <p:nvCxnSpPr>
+          <p:cNvPr id="16" name="Straight Arrow Connector 15"/>
+          <p:cNvCxnSpPr>
+            <a:stCxn id="5" idx="2"/>
+            <a:endCxn id="6" idx="0"/>
+          </p:cNvCxnSpPr>
+          <p:nvPr/>
+        </p:nvCxnSpPr>
+        <p:spPr>
+          <a:xfrm flipH="1">
+            <a:off x="1332469" y="1604317"/>
+            <a:ext cx="8239" cy="438668"/>
+          </a:xfrm>
+          <a:prstGeom prst="straightConnector1">
+            <a:avLst/>
+          </a:prstGeom>
+          <a:ln>
+            <a:tailEnd type="triangle"/>
+          </a:ln>
+        </p:spPr>
+        <p:style>
+          <a:lnRef idx="2">
+            <a:schemeClr val="dk1"/>
+          </a:lnRef>
+          <a:fillRef idx="0">
+            <a:schemeClr val="dk1"/>
+          </a:fillRef>
+          <a:effectRef idx="1">
+            <a:schemeClr val="dk1"/>
+          </a:effectRef>
+          <a:fontRef idx="minor">
+            <a:schemeClr val="tx1"/>
+          </a:fontRef>
+        </p:style>
+      </p:cxnSp>
+      <p:cxnSp>
+        <p:nvCxnSpPr>
+          <p:cNvPr id="18" name="Straight Arrow Connector 17"/>
+          <p:cNvCxnSpPr>
+            <a:stCxn id="6" idx="2"/>
+            <a:endCxn id="7" idx="0"/>
+          </p:cNvCxnSpPr>
+          <p:nvPr/>
+        </p:nvCxnSpPr>
+        <p:spPr>
+          <a:xfrm>
+            <a:off x="1332469" y="2351903"/>
+            <a:ext cx="8238" cy="366585"/>
+          </a:xfrm>
+          <a:prstGeom prst="straightConnector1">
+            <a:avLst/>
+          </a:prstGeom>
+          <a:ln>
+            <a:tailEnd type="triangle"/>
+          </a:ln>
+        </p:spPr>
+        <p:style>
+          <a:lnRef idx="3">
+            <a:schemeClr val="dk1"/>
+          </a:lnRef>
+          <a:fillRef idx="0">
+            <a:schemeClr val="dk1"/>
+          </a:fillRef>
+          <a:effectRef idx="2">
+            <a:schemeClr val="dk1"/>
+          </a:effectRef>
+          <a:fontRef idx="minor">
+            <a:schemeClr val="tx1"/>
+          </a:fontRef>
+        </p:style>
+      </p:cxnSp>
+      <p:cxnSp>
+        <p:nvCxnSpPr>
+          <p:cNvPr id="20" name="Straight Arrow Connector 19"/>
+          <p:cNvCxnSpPr>
+            <a:stCxn id="8" idx="2"/>
+            <a:endCxn id="9" idx="0"/>
+          </p:cNvCxnSpPr>
+          <p:nvPr/>
+        </p:nvCxnSpPr>
+        <p:spPr>
+          <a:xfrm>
+            <a:off x="3101544" y="1023550"/>
+            <a:ext cx="2059" cy="249194"/>
+          </a:xfrm>
+          <a:prstGeom prst="straightConnector1">
+            <a:avLst/>
+          </a:prstGeom>
+          <a:ln>
+            <a:tailEnd type="triangle"/>
+          </a:ln>
+        </p:spPr>
+        <p:style>
+          <a:lnRef idx="2">
+            <a:schemeClr val="dk1"/>
+          </a:lnRef>
+          <a:fillRef idx="0">
+            <a:schemeClr val="dk1"/>
+          </a:fillRef>
+          <a:effectRef idx="1">
+            <a:schemeClr val="dk1"/>
+          </a:effectRef>
+          <a:fontRef idx="minor">
+            <a:schemeClr val="tx1"/>
+          </a:fontRef>
+        </p:style>
+      </p:cxnSp>
+      <p:cxnSp>
+        <p:nvCxnSpPr>
+          <p:cNvPr id="22" name="Straight Arrow Connector 21"/>
+          <p:cNvCxnSpPr>
+            <a:stCxn id="10" idx="1"/>
+          </p:cNvCxnSpPr>
+          <p:nvPr/>
+        </p:nvCxnSpPr>
+        <p:spPr>
+          <a:xfrm flipH="1" flipV="1">
+            <a:off x="1750540" y="1622853"/>
+            <a:ext cx="930873" cy="405710"/>
+          </a:xfrm>
+          <a:prstGeom prst="straightConnector1">
+            <a:avLst/>
+          </a:prstGeom>
+          <a:ln>
+            <a:tailEnd type="triangle"/>
+          </a:ln>
+        </p:spPr>
+        <p:style>
+          <a:lnRef idx="2">
+            <a:schemeClr val="dk1"/>
+          </a:lnRef>
+          <a:fillRef idx="0">
+            <a:schemeClr val="dk1"/>
+          </a:fillRef>
+          <a:effectRef idx="1">
+            <a:schemeClr val="dk1"/>
+          </a:effectRef>
+          <a:fontRef idx="minor">
+            <a:schemeClr val="tx1"/>
+          </a:fontRef>
+        </p:style>
+      </p:cxnSp>
+      <p:cxnSp>
+        <p:nvCxnSpPr>
+          <p:cNvPr id="24" name="Straight Arrow Connector 23"/>
+          <p:cNvCxnSpPr>
+            <a:stCxn id="9" idx="1"/>
+            <a:endCxn id="5" idx="3"/>
+          </p:cNvCxnSpPr>
+          <p:nvPr/>
+        </p:nvCxnSpPr>
+        <p:spPr>
+          <a:xfrm flipH="1">
+            <a:off x="1758778" y="1423085"/>
+            <a:ext cx="733165" cy="65902"/>
+          </a:xfrm>
+          <a:prstGeom prst="straightConnector1">
+            <a:avLst/>
+          </a:prstGeom>
+          <a:ln>
+            <a:tailEnd type="triangle"/>
+          </a:ln>
+        </p:spPr>
+        <p:style>
+          <a:lnRef idx="2">
+            <a:schemeClr val="dk1"/>
+          </a:lnRef>
+          <a:fillRef idx="0">
+            <a:schemeClr val="dk1"/>
+          </a:fillRef>
+          <a:effectRef idx="1">
+            <a:schemeClr val="dk1"/>
+          </a:effectRef>
+          <a:fontRef idx="minor">
+            <a:schemeClr val="tx1"/>
+          </a:fontRef>
+        </p:style>
+      </p:cxnSp>
+    </p:spTree>
+    <p:extLst>
+      <p:ext uri="{BB962C8B-B14F-4D97-AF65-F5344CB8AC3E}">
+        <p14:creationId xmlns:p14="http://schemas.microsoft.com/office/powerpoint/2010/main" val="2109748277"/>
+      </p:ext>
+    </p:extLst>
+  </p:cSld>
+  <p:clrMapOvr>
+    <a:masterClrMapping/>
+  </p:clrMapOvr>
+</p:sld>
+</file>
+
+<file path=ppt/slides/slide5.xml><?xml version="1.0" encoding="utf-8"?>
+<p:sld xmlns:a="http://schemas.openxmlformats.org/drawingml/2006/main" xmlns:r="http://schemas.openxmlformats.org/officeDocument/2006/relationships" xmlns:p="http://schemas.openxmlformats.org/presentationml/2006/main">
+  <p:cSld>
+    <p:spTree>
+      <p:nvGrpSpPr>
+        <p:cNvPr id="1" name=""/>
+        <p:cNvGrpSpPr/>
+        <p:nvPr/>
+      </p:nvGrpSpPr>
+      <p:grpSpPr>
+        <a:xfrm>
+          <a:off x="0" y="0"/>
+          <a:ext cx="0" cy="0"/>
+          <a:chOff x="0" y="0"/>
+          <a:chExt cx="0" cy="0"/>
+        </a:xfrm>
+      </p:grpSpPr>
+      <p:sp>
+        <p:nvSpPr>
+          <p:cNvPr id="4" name="Rectangle 3"/>
+          <p:cNvSpPr/>
+          <p:nvPr/>
+        </p:nvSpPr>
+        <p:spPr>
+          <a:xfrm>
+            <a:off x="8805333" y="194735"/>
+            <a:ext cx="812800" cy="558800"/>
+          </a:xfrm>
+          <a:prstGeom prst="rect">
+            <a:avLst/>
+          </a:prstGeom>
+        </p:spPr>
+        <p:style>
+          <a:lnRef idx="2">
+            <a:schemeClr val="dk1"/>
+          </a:lnRef>
+          <a:fillRef idx="1">
+            <a:schemeClr val="lt1"/>
+          </a:fillRef>
+          <a:effectRef idx="0">
+            <a:schemeClr val="dk1"/>
+          </a:effectRef>
+          <a:fontRef idx="minor">
+            <a:schemeClr val="dk1"/>
+          </a:fontRef>
+        </p:style>
+        <p:txBody>
+          <a:bodyPr rtlCol="0" anchor="ctr"/>
+          <a:lstStyle/>
+          <a:p>
+            <a:pPr algn="ctr"/>
+            <a:r>
+              <a:rPr lang="en-CA" sz="1200" dirty="0" smtClean="0"/>
+              <a:t>Web Pages</a:t>
+            </a:r>
+            <a:endParaRPr lang="en-CA" sz="1200" dirty="0"/>
+          </a:p>
+        </p:txBody>
+      </p:sp>
+      <p:sp>
+        <p:nvSpPr>
+          <p:cNvPr id="5" name="Rectangle 4"/>
+          <p:cNvSpPr/>
+          <p:nvPr/>
+        </p:nvSpPr>
+        <p:spPr>
+          <a:xfrm>
+            <a:off x="6324601" y="203201"/>
+            <a:ext cx="812800" cy="558800"/>
+          </a:xfrm>
+          <a:prstGeom prst="rect">
+            <a:avLst/>
+          </a:prstGeom>
+        </p:spPr>
+        <p:style>
+          <a:lnRef idx="2">
+            <a:schemeClr val="dk1"/>
+          </a:lnRef>
+          <a:fillRef idx="1">
+            <a:schemeClr val="lt1"/>
+          </a:fillRef>
+          <a:effectRef idx="0">
+            <a:schemeClr val="dk1"/>
+          </a:effectRef>
+          <a:fontRef idx="minor">
+            <a:schemeClr val="dk1"/>
+          </a:fontRef>
+        </p:style>
+        <p:txBody>
+          <a:bodyPr rtlCol="0" anchor="ctr"/>
+          <a:lstStyle/>
+          <a:p>
+            <a:pPr algn="ctr"/>
+            <a:r>
+              <a:rPr lang="en-CA" sz="1200" dirty="0" smtClean="0"/>
+              <a:t>New Job Postings</a:t>
+            </a:r>
+            <a:endParaRPr lang="en-CA" sz="1200" dirty="0"/>
+          </a:p>
+        </p:txBody>
+      </p:sp>
+      <p:sp>
+        <p:nvSpPr>
+          <p:cNvPr id="6" name="Rectangle 5"/>
+          <p:cNvSpPr/>
+          <p:nvPr/>
+        </p:nvSpPr>
+        <p:spPr>
+          <a:xfrm>
+            <a:off x="2103965" y="203201"/>
+            <a:ext cx="812800" cy="558800"/>
+          </a:xfrm>
+          <a:prstGeom prst="rect">
+            <a:avLst/>
+          </a:prstGeom>
+        </p:spPr>
+        <p:style>
+          <a:lnRef idx="2">
+            <a:schemeClr val="dk1"/>
+          </a:lnRef>
+          <a:fillRef idx="1">
+            <a:schemeClr val="lt1"/>
+          </a:fillRef>
+          <a:effectRef idx="0">
+            <a:schemeClr val="dk1"/>
+          </a:effectRef>
+          <a:fontRef idx="minor">
+            <a:schemeClr val="dk1"/>
+          </a:fontRef>
+        </p:style>
+        <p:txBody>
+          <a:bodyPr rtlCol="0" anchor="ctr"/>
+          <a:lstStyle/>
+          <a:p>
+            <a:pPr algn="ctr"/>
+            <a:r>
+              <a:rPr lang="en-CA" sz="1200" dirty="0" smtClean="0"/>
+              <a:t>Resume</a:t>
+            </a:r>
+            <a:endParaRPr lang="en-CA" sz="1200" dirty="0"/>
+          </a:p>
+        </p:txBody>
+      </p:sp>
+      <p:sp>
+        <p:nvSpPr>
+          <p:cNvPr id="7" name="Rectangle 6"/>
+          <p:cNvSpPr/>
+          <p:nvPr/>
+        </p:nvSpPr>
+        <p:spPr>
+          <a:xfrm>
+            <a:off x="224366" y="2650067"/>
+            <a:ext cx="812800" cy="558800"/>
+          </a:xfrm>
+          <a:prstGeom prst="rect">
+            <a:avLst/>
+          </a:prstGeom>
+        </p:spPr>
+        <p:style>
+          <a:lnRef idx="2">
+            <a:schemeClr val="dk1"/>
+          </a:lnRef>
+          <a:fillRef idx="1">
+            <a:schemeClr val="lt1"/>
+          </a:fillRef>
+          <a:effectRef idx="0">
+            <a:schemeClr val="dk1"/>
+          </a:effectRef>
+          <a:fontRef idx="minor">
+            <a:schemeClr val="dk1"/>
+          </a:fontRef>
+        </p:style>
+        <p:txBody>
+          <a:bodyPr rtlCol="0" anchor="ctr"/>
+          <a:lstStyle/>
+          <a:p>
+            <a:pPr algn="ctr"/>
+            <a:r>
+              <a:rPr lang="en-CA" sz="1200" dirty="0" smtClean="0"/>
+              <a:t>Query Interface</a:t>
+            </a:r>
+            <a:endParaRPr lang="en-CA" sz="1200" dirty="0"/>
+          </a:p>
+        </p:txBody>
+      </p:sp>
+      <p:sp>
+        <p:nvSpPr>
+          <p:cNvPr id="8" name="Rectangle 7"/>
+          <p:cNvSpPr/>
+          <p:nvPr/>
+        </p:nvSpPr>
+        <p:spPr>
+          <a:xfrm>
+            <a:off x="2015068" y="5334001"/>
+            <a:ext cx="1005415" cy="465666"/>
+          </a:xfrm>
+          <a:prstGeom prst="rect">
+            <a:avLst/>
+          </a:prstGeom>
+        </p:spPr>
+        <p:style>
+          <a:lnRef idx="2">
+            <a:schemeClr val="dk1"/>
+          </a:lnRef>
+          <a:fillRef idx="1">
+            <a:schemeClr val="lt1"/>
+          </a:fillRef>
+          <a:effectRef idx="0">
+            <a:schemeClr val="dk1"/>
+          </a:effectRef>
+          <a:fontRef idx="minor">
+            <a:schemeClr val="dk1"/>
+          </a:fontRef>
+        </p:style>
+        <p:txBody>
+          <a:bodyPr rtlCol="0" anchor="ctr"/>
+          <a:lstStyle/>
+          <a:p>
+            <a:pPr algn="ctr"/>
+            <a:r>
+              <a:rPr lang="en-CA" sz="1200" dirty="0" smtClean="0"/>
+              <a:t>Job Description</a:t>
+            </a:r>
+            <a:endParaRPr lang="en-CA" sz="1200" dirty="0"/>
+          </a:p>
+        </p:txBody>
+      </p:sp>
+      <p:sp>
+        <p:nvSpPr>
+          <p:cNvPr id="9" name="Rectangle 8"/>
+          <p:cNvSpPr/>
+          <p:nvPr/>
+        </p:nvSpPr>
+        <p:spPr>
+          <a:xfrm>
+            <a:off x="1752599" y="1066799"/>
+            <a:ext cx="1515533" cy="1888067"/>
+          </a:xfrm>
+          <a:prstGeom prst="rect">
+            <a:avLst/>
+          </a:prstGeom>
+        </p:spPr>
+        <p:style>
+          <a:lnRef idx="2">
+            <a:schemeClr val="dk1"/>
+          </a:lnRef>
+          <a:fillRef idx="1">
+            <a:schemeClr val="lt1"/>
+          </a:fillRef>
+          <a:effectRef idx="0">
+            <a:schemeClr val="dk1"/>
+          </a:effectRef>
+          <a:fontRef idx="minor">
+            <a:schemeClr val="dk1"/>
+          </a:fontRef>
+        </p:style>
+        <p:txBody>
+          <a:bodyPr rtlCol="0" anchor="ctr"/>
+          <a:lstStyle/>
+          <a:p>
+            <a:pPr algn="just"/>
+            <a:endParaRPr lang="en-CA" sz="1200" dirty="0"/>
+          </a:p>
+        </p:txBody>
+      </p:sp>
+      <p:sp>
+        <p:nvSpPr>
+          <p:cNvPr id="10" name="Rectangle 9"/>
+          <p:cNvSpPr/>
+          <p:nvPr/>
+        </p:nvSpPr>
+        <p:spPr>
+          <a:xfrm>
+            <a:off x="1752598" y="3386667"/>
+            <a:ext cx="1515534" cy="1159933"/>
+          </a:xfrm>
+          <a:prstGeom prst="rect">
+            <a:avLst/>
+          </a:prstGeom>
+        </p:spPr>
+        <p:style>
+          <a:lnRef idx="2">
+            <a:schemeClr val="dk1"/>
+          </a:lnRef>
+          <a:fillRef idx="1">
+            <a:schemeClr val="lt1"/>
+          </a:fillRef>
+          <a:effectRef idx="0">
+            <a:schemeClr val="dk1"/>
+          </a:effectRef>
+          <a:fontRef idx="minor">
+            <a:schemeClr val="dk1"/>
+          </a:fontRef>
+        </p:style>
+        <p:txBody>
+          <a:bodyPr rtlCol="0" anchor="ctr"/>
+          <a:lstStyle/>
+          <a:p>
+            <a:pPr algn="ctr"/>
+            <a:endParaRPr lang="en-CA" sz="1200" dirty="0"/>
+          </a:p>
+        </p:txBody>
+      </p:sp>
+      <p:sp>
+        <p:nvSpPr>
+          <p:cNvPr id="11" name="Rectangle 10"/>
+          <p:cNvSpPr/>
+          <p:nvPr/>
+        </p:nvSpPr>
+        <p:spPr>
+          <a:xfrm>
+            <a:off x="4123267" y="1066799"/>
+            <a:ext cx="1007534" cy="3479801"/>
+          </a:xfrm>
+          <a:prstGeom prst="rect">
+            <a:avLst/>
+          </a:prstGeom>
+        </p:spPr>
+        <p:style>
+          <a:lnRef idx="2">
+            <a:schemeClr val="dk1"/>
+          </a:lnRef>
+          <a:fillRef idx="1">
+            <a:schemeClr val="lt1"/>
+          </a:fillRef>
+          <a:effectRef idx="0">
+            <a:schemeClr val="dk1"/>
+          </a:effectRef>
+          <a:fontRef idx="minor">
+            <a:schemeClr val="dk1"/>
+          </a:fontRef>
+        </p:style>
+        <p:txBody>
+          <a:bodyPr rtlCol="0" anchor="ctr"/>
+          <a:lstStyle/>
+          <a:p>
+            <a:pPr algn="ctr"/>
+            <a:endParaRPr lang="en-CA" sz="1200" dirty="0"/>
+          </a:p>
+        </p:txBody>
+      </p:sp>
+      <p:sp>
+        <p:nvSpPr>
+          <p:cNvPr id="12" name="Rectangle 11"/>
+          <p:cNvSpPr/>
+          <p:nvPr/>
+        </p:nvSpPr>
+        <p:spPr>
+          <a:xfrm>
+            <a:off x="5981698" y="1066799"/>
+            <a:ext cx="1515533" cy="1888067"/>
+          </a:xfrm>
+          <a:prstGeom prst="rect">
+            <a:avLst/>
+          </a:prstGeom>
+        </p:spPr>
+        <p:style>
+          <a:lnRef idx="2">
+            <a:schemeClr val="dk1"/>
+          </a:lnRef>
+          <a:fillRef idx="1">
+            <a:schemeClr val="lt1"/>
+          </a:fillRef>
+          <a:effectRef idx="0">
+            <a:schemeClr val="dk1"/>
+          </a:effectRef>
+          <a:fontRef idx="minor">
+            <a:schemeClr val="dk1"/>
+          </a:fontRef>
+        </p:style>
+        <p:txBody>
+          <a:bodyPr rtlCol="0" anchor="ctr"/>
+          <a:lstStyle/>
+          <a:p>
+            <a:pPr algn="ctr"/>
+            <a:endParaRPr lang="en-CA" sz="1200" dirty="0"/>
+          </a:p>
+        </p:txBody>
+      </p:sp>
+      <p:sp>
+        <p:nvSpPr>
+          <p:cNvPr id="13" name="Oval 12"/>
+          <p:cNvSpPr/>
+          <p:nvPr/>
+        </p:nvSpPr>
+        <p:spPr>
+          <a:xfrm>
+            <a:off x="7564967" y="270933"/>
+            <a:ext cx="935566" cy="423334"/>
+          </a:xfrm>
+          <a:prstGeom prst="ellipse">
+            <a:avLst/>
+          </a:prstGeom>
+        </p:spPr>
+        <p:style>
+          <a:lnRef idx="2">
+            <a:schemeClr val="dk1"/>
+          </a:lnRef>
+          <a:fillRef idx="1">
+            <a:schemeClr val="lt1"/>
+          </a:fillRef>
+          <a:effectRef idx="0">
+            <a:schemeClr val="dk1"/>
+          </a:effectRef>
+          <a:fontRef idx="minor">
+            <a:schemeClr val="dk1"/>
+          </a:fontRef>
+        </p:style>
+        <p:txBody>
+          <a:bodyPr rtlCol="0" anchor="ctr"/>
+          <a:lstStyle/>
+          <a:p>
+            <a:pPr algn="ctr"/>
+            <a:r>
+              <a:rPr lang="en-CA" sz="1200" dirty="0" smtClean="0"/>
+              <a:t>Web Crawler</a:t>
+            </a:r>
+            <a:endParaRPr lang="en-CA" sz="1200" dirty="0"/>
+          </a:p>
+        </p:txBody>
+      </p:sp>
+      <p:sp>
+        <p:nvSpPr>
+          <p:cNvPr id="14" name="Flowchart: Magnetic Disk 13"/>
+          <p:cNvSpPr/>
+          <p:nvPr/>
+        </p:nvSpPr>
+        <p:spPr>
+          <a:xfrm>
+            <a:off x="4356100" y="1185333"/>
+            <a:ext cx="520700" cy="560918"/>
+          </a:xfrm>
+          <a:prstGeom prst="flowChartMagneticDisk">
+            <a:avLst/>
+          </a:prstGeom>
+          <a:ln>
+            <a:prstDash val="sysDot"/>
+          </a:ln>
+        </p:spPr>
+        <p:style>
+          <a:lnRef idx="2">
+            <a:schemeClr val="dk1"/>
+          </a:lnRef>
+          <a:fillRef idx="1">
+            <a:schemeClr val="lt1"/>
+          </a:fillRef>
+          <a:effectRef idx="0">
+            <a:schemeClr val="dk1"/>
+          </a:effectRef>
+          <a:fontRef idx="minor">
+            <a:schemeClr val="dk1"/>
+          </a:fontRef>
+        </p:style>
+        <p:txBody>
+          <a:bodyPr rtlCol="0" anchor="ctr"/>
+          <a:lstStyle/>
+          <a:p>
+            <a:pPr algn="ctr"/>
+            <a:r>
+              <a:rPr lang="en-CA" sz="1200" dirty="0" smtClean="0"/>
+              <a:t>Tech</a:t>
+            </a:r>
+          </a:p>
+          <a:p>
+            <a:pPr algn="ctr"/>
+            <a:r>
+              <a:rPr lang="en-CA" sz="1200" dirty="0" smtClean="0"/>
+              <a:t>Skills</a:t>
+            </a:r>
+            <a:endParaRPr lang="en-CA" sz="1200" dirty="0"/>
+          </a:p>
+        </p:txBody>
+      </p:sp>
+      <p:sp>
+        <p:nvSpPr>
+          <p:cNvPr id="18" name="Flowchart: Magnetic Disk 17"/>
+          <p:cNvSpPr/>
+          <p:nvPr/>
+        </p:nvSpPr>
+        <p:spPr>
+          <a:xfrm>
+            <a:off x="4298948" y="2101851"/>
+            <a:ext cx="681568" cy="419105"/>
+          </a:xfrm>
+          <a:prstGeom prst="flowChartMagneticDisk">
+            <a:avLst/>
+          </a:prstGeom>
+          <a:ln>
+            <a:prstDash val="sysDot"/>
+          </a:ln>
+        </p:spPr>
+        <p:style>
+          <a:lnRef idx="2">
+            <a:schemeClr val="dk1"/>
+          </a:lnRef>
+          <a:fillRef idx="1">
+            <a:schemeClr val="lt1"/>
+          </a:fillRef>
+          <a:effectRef idx="0">
+            <a:schemeClr val="dk1"/>
+          </a:effectRef>
+          <a:fontRef idx="minor">
+            <a:schemeClr val="dk1"/>
+          </a:fontRef>
+        </p:style>
+        <p:txBody>
+          <a:bodyPr rtlCol="0" anchor="ctr"/>
+          <a:lstStyle/>
+          <a:p>
+            <a:pPr algn="ctr"/>
+            <a:r>
+              <a:rPr lang="en-CA" sz="1200" dirty="0" smtClean="0"/>
+              <a:t>Degree</a:t>
+            </a:r>
+            <a:endParaRPr lang="en-CA" sz="1200" dirty="0"/>
+          </a:p>
+        </p:txBody>
+      </p:sp>
+      <p:sp>
+        <p:nvSpPr>
+          <p:cNvPr id="19" name="Flowchart: Magnetic Disk 18"/>
+          <p:cNvSpPr/>
+          <p:nvPr/>
+        </p:nvSpPr>
+        <p:spPr>
+          <a:xfrm>
+            <a:off x="4368799" y="2954867"/>
+            <a:ext cx="529168" cy="575734"/>
+          </a:xfrm>
+          <a:prstGeom prst="flowChartMagneticDisk">
+            <a:avLst/>
+          </a:prstGeom>
+          <a:ln>
+            <a:prstDash val="sysDot"/>
+          </a:ln>
+        </p:spPr>
+        <p:style>
+          <a:lnRef idx="2">
+            <a:schemeClr val="dk1"/>
+          </a:lnRef>
+          <a:fillRef idx="1">
+            <a:schemeClr val="lt1"/>
+          </a:fillRef>
+          <a:effectRef idx="0">
+            <a:schemeClr val="dk1"/>
+          </a:effectRef>
+          <a:fontRef idx="minor">
+            <a:schemeClr val="dk1"/>
+          </a:fontRef>
+        </p:style>
+        <p:txBody>
+          <a:bodyPr rtlCol="0" anchor="ctr"/>
+          <a:lstStyle/>
+          <a:p>
+            <a:pPr algn="ctr"/>
+            <a:r>
+              <a:rPr lang="en-CA" sz="1200" dirty="0" smtClean="0"/>
+              <a:t>Job Title</a:t>
+            </a:r>
+            <a:endParaRPr lang="en-CA" sz="1200" dirty="0"/>
+          </a:p>
+        </p:txBody>
+      </p:sp>
+      <p:sp>
+        <p:nvSpPr>
+          <p:cNvPr id="20" name="Flowchart: Magnetic Disk 19"/>
+          <p:cNvSpPr/>
+          <p:nvPr/>
+        </p:nvSpPr>
+        <p:spPr>
+          <a:xfrm>
+            <a:off x="4368799" y="3886200"/>
+            <a:ext cx="541867" cy="491067"/>
+          </a:xfrm>
+          <a:prstGeom prst="flowChartMagneticDisk">
+            <a:avLst/>
+          </a:prstGeom>
+          <a:ln>
+            <a:prstDash val="sysDot"/>
+          </a:ln>
+        </p:spPr>
+        <p:style>
+          <a:lnRef idx="2">
+            <a:schemeClr val="dk1"/>
+          </a:lnRef>
+          <a:fillRef idx="1">
+            <a:schemeClr val="lt1"/>
+          </a:fillRef>
+          <a:effectRef idx="0">
+            <a:schemeClr val="dk1"/>
+          </a:effectRef>
+          <a:fontRef idx="minor">
+            <a:schemeClr val="dk1"/>
+          </a:fontRef>
+        </p:style>
+        <p:txBody>
+          <a:bodyPr rtlCol="0" anchor="ctr"/>
+          <a:lstStyle/>
+          <a:p>
+            <a:pPr algn="ctr"/>
+            <a:r>
+              <a:rPr lang="en-CA" sz="1200" dirty="0" smtClean="0"/>
+              <a:t>Jobs</a:t>
+            </a:r>
+            <a:endParaRPr lang="en-CA" sz="1200" dirty="0"/>
+          </a:p>
+        </p:txBody>
+      </p:sp>
+      <p:sp>
+        <p:nvSpPr>
+          <p:cNvPr id="21" name="Rectangle 20"/>
+          <p:cNvSpPr/>
+          <p:nvPr/>
+        </p:nvSpPr>
+        <p:spPr>
+          <a:xfrm>
+            <a:off x="6347883" y="1284815"/>
+            <a:ext cx="918634" cy="292101"/>
+          </a:xfrm>
+          <a:prstGeom prst="rect">
+            <a:avLst/>
+          </a:prstGeom>
+          <a:ln>
+            <a:prstDash val="sysDot"/>
+          </a:ln>
+        </p:spPr>
+        <p:style>
+          <a:lnRef idx="2">
+            <a:schemeClr val="dk1"/>
+          </a:lnRef>
+          <a:fillRef idx="1">
+            <a:schemeClr val="lt1"/>
+          </a:fillRef>
+          <a:effectRef idx="0">
+            <a:schemeClr val="dk1"/>
+          </a:effectRef>
+          <a:fontRef idx="minor">
+            <a:schemeClr val="dk1"/>
+          </a:fontRef>
+        </p:style>
+        <p:txBody>
+          <a:bodyPr rtlCol="0" anchor="ctr"/>
+          <a:lstStyle/>
+          <a:p>
+            <a:pPr algn="ctr"/>
+            <a:r>
+              <a:rPr lang="en-CA" sz="1200" dirty="0" smtClean="0"/>
+              <a:t>Preprocess</a:t>
+            </a:r>
+            <a:endParaRPr lang="en-CA" sz="1200" dirty="0"/>
+          </a:p>
+        </p:txBody>
+      </p:sp>
+      <p:sp>
+        <p:nvSpPr>
+          <p:cNvPr id="22" name="Rectangle 21"/>
+          <p:cNvSpPr/>
+          <p:nvPr/>
+        </p:nvSpPr>
+        <p:spPr>
+          <a:xfrm>
+            <a:off x="6354233" y="1864781"/>
+            <a:ext cx="918634" cy="292101"/>
+          </a:xfrm>
+          <a:prstGeom prst="rect">
+            <a:avLst/>
+          </a:prstGeom>
+          <a:ln>
+            <a:prstDash val="sysDot"/>
+          </a:ln>
+        </p:spPr>
+        <p:style>
+          <a:lnRef idx="2">
+            <a:schemeClr val="dk1"/>
+          </a:lnRef>
+          <a:fillRef idx="1">
+            <a:schemeClr val="lt1"/>
+          </a:fillRef>
+          <a:effectRef idx="0">
+            <a:schemeClr val="dk1"/>
+          </a:effectRef>
+          <a:fontRef idx="minor">
+            <a:schemeClr val="dk1"/>
+          </a:fontRef>
+        </p:style>
+        <p:txBody>
+          <a:bodyPr rtlCol="0" anchor="ctr"/>
+          <a:lstStyle/>
+          <a:p>
+            <a:pPr algn="ctr"/>
+            <a:r>
+              <a:rPr lang="en-CA" sz="1200" dirty="0" smtClean="0"/>
+              <a:t>Job Processor</a:t>
+            </a:r>
+            <a:endParaRPr lang="en-CA" sz="1200" dirty="0"/>
+          </a:p>
+        </p:txBody>
+      </p:sp>
+      <p:sp>
+        <p:nvSpPr>
+          <p:cNvPr id="23" name="Rectangle 22"/>
+          <p:cNvSpPr/>
+          <p:nvPr/>
+        </p:nvSpPr>
+        <p:spPr>
+          <a:xfrm>
+            <a:off x="2051048" y="1746251"/>
+            <a:ext cx="918634" cy="292101"/>
+          </a:xfrm>
+          <a:prstGeom prst="rect">
+            <a:avLst/>
+          </a:prstGeom>
+          <a:ln>
+            <a:prstDash val="sysDot"/>
+          </a:ln>
+        </p:spPr>
+        <p:style>
+          <a:lnRef idx="2">
+            <a:schemeClr val="dk1"/>
+          </a:lnRef>
+          <a:fillRef idx="1">
+            <a:schemeClr val="lt1"/>
+          </a:fillRef>
+          <a:effectRef idx="0">
+            <a:schemeClr val="dk1"/>
+          </a:effectRef>
+          <a:fontRef idx="minor">
+            <a:schemeClr val="dk1"/>
+          </a:fontRef>
+        </p:style>
+        <p:txBody>
+          <a:bodyPr rtlCol="0" anchor="ctr"/>
+          <a:lstStyle/>
+          <a:p>
+            <a:pPr algn="ctr"/>
+            <a:r>
+              <a:rPr lang="en-CA" sz="1200" dirty="0" smtClean="0"/>
+              <a:t>Processor</a:t>
+            </a:r>
+            <a:endParaRPr lang="en-CA" sz="1200" dirty="0"/>
+          </a:p>
+        </p:txBody>
+      </p:sp>
+      <p:sp>
+        <p:nvSpPr>
+          <p:cNvPr id="24" name="Rectangle 23"/>
+          <p:cNvSpPr/>
+          <p:nvPr/>
+        </p:nvSpPr>
+        <p:spPr>
+          <a:xfrm>
+            <a:off x="2051048" y="1244601"/>
+            <a:ext cx="918634" cy="292101"/>
+          </a:xfrm>
+          <a:prstGeom prst="rect">
+            <a:avLst/>
+          </a:prstGeom>
+          <a:ln>
+            <a:prstDash val="sysDot"/>
+          </a:ln>
+        </p:spPr>
+        <p:style>
+          <a:lnRef idx="2">
+            <a:schemeClr val="dk1"/>
+          </a:lnRef>
+          <a:fillRef idx="1">
+            <a:schemeClr val="lt1"/>
+          </a:fillRef>
+          <a:effectRef idx="0">
+            <a:schemeClr val="dk1"/>
+          </a:effectRef>
+          <a:fontRef idx="minor">
+            <a:schemeClr val="dk1"/>
+          </a:fontRef>
+        </p:style>
+        <p:txBody>
+          <a:bodyPr rtlCol="0" anchor="ctr"/>
+          <a:lstStyle/>
+          <a:p>
+            <a:pPr algn="ctr"/>
+            <a:r>
+              <a:rPr lang="en-CA" sz="1200" dirty="0" smtClean="0"/>
+              <a:t>Preprocess</a:t>
+            </a:r>
+            <a:endParaRPr lang="en-CA" sz="1200" dirty="0"/>
+          </a:p>
+        </p:txBody>
+      </p:sp>
+      <p:sp>
+        <p:nvSpPr>
+          <p:cNvPr id="25" name="Rectangle 24"/>
+          <p:cNvSpPr/>
+          <p:nvPr/>
+        </p:nvSpPr>
+        <p:spPr>
+          <a:xfrm>
+            <a:off x="2051047" y="3596216"/>
+            <a:ext cx="1005419" cy="387353"/>
+          </a:xfrm>
+          <a:prstGeom prst="rect">
+            <a:avLst/>
+          </a:prstGeom>
+          <a:ln>
+            <a:prstDash val="sysDot"/>
+          </a:ln>
+        </p:spPr>
+        <p:style>
+          <a:lnRef idx="2">
+            <a:schemeClr val="dk1"/>
+          </a:lnRef>
+          <a:fillRef idx="1">
+            <a:schemeClr val="lt1"/>
+          </a:fillRef>
+          <a:effectRef idx="0">
+            <a:schemeClr val="dk1"/>
+          </a:effectRef>
+          <a:fontRef idx="minor">
+            <a:schemeClr val="dk1"/>
+          </a:fontRef>
+        </p:style>
+        <p:txBody>
+          <a:bodyPr rtlCol="0" anchor="ctr"/>
+          <a:lstStyle/>
+          <a:p>
+            <a:pPr algn="ctr"/>
+            <a:r>
+              <a:rPr lang="en-CA" sz="1200" dirty="0" smtClean="0"/>
+              <a:t>Similarity computation</a:t>
+            </a:r>
+            <a:endParaRPr lang="en-CA" sz="1200" dirty="0"/>
+          </a:p>
+        </p:txBody>
+      </p:sp>
+      <p:sp>
+        <p:nvSpPr>
+          <p:cNvPr id="26" name="Flowchart: Data 25"/>
+          <p:cNvSpPr/>
+          <p:nvPr/>
+        </p:nvSpPr>
+        <p:spPr>
+          <a:xfrm>
+            <a:off x="1866901" y="2470153"/>
+            <a:ext cx="1333499" cy="323850"/>
+          </a:xfrm>
+          <a:prstGeom prst="flowChartInputOutput">
+            <a:avLst/>
+          </a:prstGeom>
+          <a:ln>
+            <a:prstDash val="sysDot"/>
+          </a:ln>
+        </p:spPr>
+        <p:style>
+          <a:lnRef idx="2">
+            <a:schemeClr val="dk1"/>
+          </a:lnRef>
+          <a:fillRef idx="1">
+            <a:schemeClr val="lt1"/>
+          </a:fillRef>
+          <a:effectRef idx="0">
+            <a:schemeClr val="dk1"/>
+          </a:effectRef>
+          <a:fontRef idx="minor">
+            <a:schemeClr val="dk1"/>
+          </a:fontRef>
+        </p:style>
+        <p:txBody>
+          <a:bodyPr rtlCol="0" anchor="ctr"/>
+          <a:lstStyle/>
+          <a:p>
+            <a:pPr algn="ctr"/>
+            <a:r>
+              <a:rPr lang="en-CA" sz="1200" dirty="0" smtClean="0"/>
+              <a:t>Resume Model</a:t>
+            </a:r>
+            <a:endParaRPr lang="en-CA" sz="1200" dirty="0"/>
+          </a:p>
+        </p:txBody>
+      </p:sp>
+      <p:sp>
+        <p:nvSpPr>
+          <p:cNvPr id="28" name="Flowchart: Data 27"/>
+          <p:cNvSpPr/>
+          <p:nvPr/>
+        </p:nvSpPr>
+        <p:spPr>
+          <a:xfrm>
+            <a:off x="1843615" y="4142318"/>
+            <a:ext cx="1333499" cy="345015"/>
+          </a:xfrm>
+          <a:prstGeom prst="flowChartInputOutput">
+            <a:avLst/>
+          </a:prstGeom>
+          <a:ln>
+            <a:prstDash val="sysDot"/>
+          </a:ln>
+        </p:spPr>
+        <p:style>
+          <a:lnRef idx="2">
+            <a:schemeClr val="dk1"/>
+          </a:lnRef>
+          <a:fillRef idx="1">
+            <a:schemeClr val="lt1"/>
+          </a:fillRef>
+          <a:effectRef idx="0">
+            <a:schemeClr val="dk1"/>
+          </a:effectRef>
+          <a:fontRef idx="minor">
+            <a:schemeClr val="dk1"/>
+          </a:fontRef>
+        </p:style>
+        <p:txBody>
+          <a:bodyPr rtlCol="0" anchor="ctr"/>
+          <a:lstStyle/>
+          <a:p>
+            <a:pPr algn="ctr"/>
+            <a:r>
+              <a:rPr lang="en-CA" sz="1200" dirty="0" smtClean="0"/>
+              <a:t>Matching Jobs</a:t>
+            </a:r>
+            <a:endParaRPr lang="en-CA" sz="1200" dirty="0"/>
+          </a:p>
+        </p:txBody>
+      </p:sp>
+      <p:sp>
+        <p:nvSpPr>
+          <p:cNvPr id="29" name="Flowchart: Data 28"/>
+          <p:cNvSpPr/>
+          <p:nvPr/>
+        </p:nvSpPr>
+        <p:spPr>
+          <a:xfrm>
+            <a:off x="6121400" y="2520956"/>
+            <a:ext cx="1325032" cy="349244"/>
+          </a:xfrm>
+          <a:prstGeom prst="flowChartInputOutput">
+            <a:avLst/>
+          </a:prstGeom>
+          <a:ln>
+            <a:prstDash val="sysDot"/>
+          </a:ln>
+        </p:spPr>
+        <p:style>
+          <a:lnRef idx="2">
+            <a:schemeClr val="dk1"/>
+          </a:lnRef>
+          <a:fillRef idx="1">
+            <a:schemeClr val="lt1"/>
+          </a:fillRef>
+          <a:effectRef idx="0">
+            <a:schemeClr val="dk1"/>
+          </a:effectRef>
+          <a:fontRef idx="minor">
+            <a:schemeClr val="dk1"/>
+          </a:fontRef>
+        </p:style>
+        <p:txBody>
+          <a:bodyPr rtlCol="0" anchor="ctr"/>
+          <a:lstStyle/>
+          <a:p>
+            <a:pPr algn="ctr"/>
+            <a:r>
+              <a:rPr lang="en-CA" sz="1200" dirty="0" smtClean="0"/>
+              <a:t>Job Model</a:t>
+            </a:r>
+            <a:endParaRPr lang="en-CA" sz="1200" dirty="0"/>
+          </a:p>
+        </p:txBody>
+      </p:sp>
+      <p:cxnSp>
+        <p:nvCxnSpPr>
+          <p:cNvPr id="31" name="Elbow Connector 30"/>
+          <p:cNvCxnSpPr>
+            <a:stCxn id="8" idx="1"/>
+            <a:endCxn id="7" idx="2"/>
+          </p:cNvCxnSpPr>
+          <p:nvPr/>
+        </p:nvCxnSpPr>
+        <p:spPr>
+          <a:xfrm rot="10800000">
+            <a:off x="630766" y="3208868"/>
+            <a:ext cx="1384302" cy="2357967"/>
+          </a:xfrm>
+          <a:prstGeom prst="bentConnector2">
+            <a:avLst/>
+          </a:prstGeom>
+          <a:ln>
+            <a:tailEnd type="triangle"/>
+          </a:ln>
+        </p:spPr>
+        <p:style>
+          <a:lnRef idx="1">
+            <a:schemeClr val="dk1"/>
+          </a:lnRef>
+          <a:fillRef idx="0">
+            <a:schemeClr val="dk1"/>
+          </a:fillRef>
+          <a:effectRef idx="0">
+            <a:schemeClr val="dk1"/>
+          </a:effectRef>
+          <a:fontRef idx="minor">
+            <a:schemeClr val="tx1"/>
+          </a:fontRef>
+        </p:style>
+      </p:cxnSp>
+      <p:cxnSp>
+        <p:nvCxnSpPr>
+          <p:cNvPr id="33" name="Elbow Connector 32"/>
+          <p:cNvCxnSpPr>
+            <a:stCxn id="7" idx="0"/>
+            <a:endCxn id="6" idx="1"/>
+          </p:cNvCxnSpPr>
+          <p:nvPr/>
+        </p:nvCxnSpPr>
+        <p:spPr>
+          <a:xfrm rot="5400000" flipH="1" flipV="1">
+            <a:off x="283632" y="829735"/>
+            <a:ext cx="2167466" cy="1473199"/>
+          </a:xfrm>
+          <a:prstGeom prst="bentConnector2">
+            <a:avLst/>
+          </a:prstGeom>
+          <a:ln>
+            <a:tailEnd type="triangle"/>
+          </a:ln>
+        </p:spPr>
+        <p:style>
+          <a:lnRef idx="1">
+            <a:schemeClr val="dk1"/>
+          </a:lnRef>
+          <a:fillRef idx="0">
+            <a:schemeClr val="dk1"/>
+          </a:fillRef>
+          <a:effectRef idx="0">
+            <a:schemeClr val="dk1"/>
+          </a:effectRef>
+          <a:fontRef idx="minor">
+            <a:schemeClr val="tx1"/>
+          </a:fontRef>
+        </p:style>
+      </p:cxnSp>
+      <p:cxnSp>
+        <p:nvCxnSpPr>
+          <p:cNvPr id="35" name="Straight Arrow Connector 34"/>
+          <p:cNvCxnSpPr>
+            <a:stCxn id="6" idx="2"/>
+            <a:endCxn id="9" idx="0"/>
+          </p:cNvCxnSpPr>
+          <p:nvPr/>
+        </p:nvCxnSpPr>
+        <p:spPr>
+          <a:xfrm>
+            <a:off x="2510365" y="762001"/>
+            <a:ext cx="1" cy="304798"/>
+          </a:xfrm>
+          <a:prstGeom prst="straightConnector1">
+            <a:avLst/>
+          </a:prstGeom>
+          <a:ln>
+            <a:tailEnd type="triangle"/>
+          </a:ln>
+        </p:spPr>
+        <p:style>
+          <a:lnRef idx="1">
+            <a:schemeClr val="dk1"/>
+          </a:lnRef>
+          <a:fillRef idx="0">
+            <a:schemeClr val="dk1"/>
+          </a:fillRef>
+          <a:effectRef idx="0">
+            <a:schemeClr val="dk1"/>
+          </a:effectRef>
+          <a:fontRef idx="minor">
+            <a:schemeClr val="tx1"/>
+          </a:fontRef>
+        </p:style>
+      </p:cxnSp>
+      <p:cxnSp>
+        <p:nvCxnSpPr>
+          <p:cNvPr id="37" name="Straight Arrow Connector 36"/>
+          <p:cNvCxnSpPr>
+            <a:stCxn id="9" idx="2"/>
+            <a:endCxn id="10" idx="0"/>
+          </p:cNvCxnSpPr>
+          <p:nvPr/>
+        </p:nvCxnSpPr>
+        <p:spPr>
+          <a:xfrm flipH="1">
+            <a:off x="2510365" y="2954866"/>
+            <a:ext cx="1" cy="431801"/>
+          </a:xfrm>
+          <a:prstGeom prst="straightConnector1">
+            <a:avLst/>
+          </a:prstGeom>
+          <a:ln>
+            <a:tailEnd type="triangle"/>
+          </a:ln>
+        </p:spPr>
+        <p:style>
+          <a:lnRef idx="1">
+            <a:schemeClr val="dk1"/>
+          </a:lnRef>
+          <a:fillRef idx="0">
+            <a:schemeClr val="dk1"/>
+          </a:fillRef>
+          <a:effectRef idx="0">
+            <a:schemeClr val="dk1"/>
+          </a:effectRef>
+          <a:fontRef idx="minor">
+            <a:schemeClr val="tx1"/>
+          </a:fontRef>
+        </p:style>
+      </p:cxnSp>
+      <p:cxnSp>
+        <p:nvCxnSpPr>
+          <p:cNvPr id="39" name="Straight Arrow Connector 38"/>
+          <p:cNvCxnSpPr>
+            <a:stCxn id="10" idx="2"/>
+            <a:endCxn id="8" idx="0"/>
+          </p:cNvCxnSpPr>
+          <p:nvPr/>
+        </p:nvCxnSpPr>
+        <p:spPr>
+          <a:xfrm>
+            <a:off x="2510365" y="4546600"/>
+            <a:ext cx="7411" cy="787401"/>
+          </a:xfrm>
+          <a:prstGeom prst="straightConnector1">
+            <a:avLst/>
+          </a:prstGeom>
+          <a:ln>
+            <a:tailEnd type="triangle"/>
+          </a:ln>
+        </p:spPr>
+        <p:style>
+          <a:lnRef idx="1">
+            <a:schemeClr val="dk1"/>
+          </a:lnRef>
+          <a:fillRef idx="0">
+            <a:schemeClr val="dk1"/>
+          </a:fillRef>
+          <a:effectRef idx="0">
+            <a:schemeClr val="dk1"/>
+          </a:effectRef>
+          <a:fontRef idx="minor">
+            <a:schemeClr val="tx1"/>
+          </a:fontRef>
+        </p:style>
+      </p:cxnSp>
+      <p:cxnSp>
+        <p:nvCxnSpPr>
+          <p:cNvPr id="41" name="Straight Arrow Connector 40"/>
+          <p:cNvCxnSpPr>
+            <a:stCxn id="20" idx="2"/>
+          </p:cNvCxnSpPr>
+          <p:nvPr/>
+        </p:nvCxnSpPr>
+        <p:spPr>
+          <a:xfrm flipH="1" flipV="1">
+            <a:off x="3268132" y="4123266"/>
+            <a:ext cx="1100667" cy="8468"/>
+          </a:xfrm>
+          <a:prstGeom prst="straightConnector1">
+            <a:avLst/>
+          </a:prstGeom>
+          <a:ln>
+            <a:tailEnd type="triangle"/>
+          </a:ln>
+        </p:spPr>
+        <p:style>
+          <a:lnRef idx="1">
+            <a:schemeClr val="dk1"/>
+          </a:lnRef>
+          <a:fillRef idx="0">
+            <a:schemeClr val="dk1"/>
+          </a:fillRef>
+          <a:effectRef idx="0">
+            <a:schemeClr val="dk1"/>
+          </a:effectRef>
+          <a:fontRef idx="minor">
+            <a:schemeClr val="tx1"/>
+          </a:fontRef>
+        </p:style>
+      </p:cxnSp>
+      <p:cxnSp>
+        <p:nvCxnSpPr>
+          <p:cNvPr id="43" name="Straight Arrow Connector 42"/>
+          <p:cNvCxnSpPr>
+            <a:stCxn id="29" idx="2"/>
+          </p:cNvCxnSpPr>
+          <p:nvPr/>
+        </p:nvCxnSpPr>
+        <p:spPr>
+          <a:xfrm flipH="1" flipV="1">
+            <a:off x="5096935" y="2690296"/>
+            <a:ext cx="1156968" cy="5282"/>
+          </a:xfrm>
+          <a:prstGeom prst="straightConnector1">
+            <a:avLst/>
+          </a:prstGeom>
+          <a:ln>
+            <a:tailEnd type="triangle"/>
+          </a:ln>
+        </p:spPr>
+        <p:style>
+          <a:lnRef idx="1">
+            <a:schemeClr val="dk1"/>
+          </a:lnRef>
+          <a:fillRef idx="0">
+            <a:schemeClr val="dk1"/>
+          </a:fillRef>
+          <a:effectRef idx="0">
+            <a:schemeClr val="dk1"/>
+          </a:effectRef>
+          <a:fontRef idx="minor">
+            <a:schemeClr val="tx1"/>
+          </a:fontRef>
+        </p:style>
+      </p:cxnSp>
+      <p:cxnSp>
+        <p:nvCxnSpPr>
+          <p:cNvPr id="45" name="Straight Arrow Connector 44"/>
+          <p:cNvCxnSpPr>
+            <a:stCxn id="5" idx="2"/>
+            <a:endCxn id="12" idx="0"/>
+          </p:cNvCxnSpPr>
+          <p:nvPr/>
+        </p:nvCxnSpPr>
+        <p:spPr>
+          <a:xfrm>
+            <a:off x="6731001" y="762001"/>
+            <a:ext cx="8464" cy="304798"/>
+          </a:xfrm>
+          <a:prstGeom prst="straightConnector1">
+            <a:avLst/>
+          </a:prstGeom>
+          <a:ln>
+            <a:tailEnd type="triangle"/>
+          </a:ln>
+        </p:spPr>
+        <p:style>
+          <a:lnRef idx="1">
+            <a:schemeClr val="dk1"/>
+          </a:lnRef>
+          <a:fillRef idx="0">
+            <a:schemeClr val="dk1"/>
+          </a:fillRef>
+          <a:effectRef idx="0">
+            <a:schemeClr val="dk1"/>
+          </a:effectRef>
+          <a:fontRef idx="minor">
+            <a:schemeClr val="tx1"/>
+          </a:fontRef>
+        </p:style>
+      </p:cxnSp>
+      <p:cxnSp>
+        <p:nvCxnSpPr>
+          <p:cNvPr id="48" name="Straight Arrow Connector 47"/>
+          <p:cNvCxnSpPr>
+            <a:stCxn id="13" idx="2"/>
+            <a:endCxn id="5" idx="3"/>
+          </p:cNvCxnSpPr>
+          <p:nvPr/>
+        </p:nvCxnSpPr>
+        <p:spPr>
+          <a:xfrm flipH="1">
+            <a:off x="7137401" y="482600"/>
+            <a:ext cx="427566" cy="1"/>
+          </a:xfrm>
+          <a:prstGeom prst="straightConnector1">
+            <a:avLst/>
+          </a:prstGeom>
+          <a:ln>
+            <a:tailEnd type="triangle"/>
+          </a:ln>
+        </p:spPr>
+        <p:style>
+          <a:lnRef idx="1">
+            <a:schemeClr val="dk1"/>
+          </a:lnRef>
+          <a:fillRef idx="0">
+            <a:schemeClr val="dk1"/>
+          </a:fillRef>
+          <a:effectRef idx="0">
+            <a:schemeClr val="dk1"/>
+          </a:effectRef>
+          <a:fontRef idx="minor">
+            <a:schemeClr val="tx1"/>
+          </a:fontRef>
+        </p:style>
+      </p:cxnSp>
+      <p:cxnSp>
+        <p:nvCxnSpPr>
+          <p:cNvPr id="50" name="Straight Arrow Connector 49"/>
+          <p:cNvCxnSpPr>
+            <a:stCxn id="4" idx="1"/>
+            <a:endCxn id="13" idx="6"/>
+          </p:cNvCxnSpPr>
+          <p:nvPr/>
+        </p:nvCxnSpPr>
+        <p:spPr>
+          <a:xfrm flipH="1">
+            <a:off x="8500533" y="474135"/>
+            <a:ext cx="304800" cy="8465"/>
+          </a:xfrm>
+          <a:prstGeom prst="straightConnector1">
+            <a:avLst/>
+          </a:prstGeom>
+          <a:ln>
+            <a:tailEnd type="triangle"/>
+          </a:ln>
+        </p:spPr>
+        <p:style>
+          <a:lnRef idx="1">
+            <a:schemeClr val="dk1"/>
+          </a:lnRef>
+          <a:fillRef idx="0">
+            <a:schemeClr val="dk1"/>
+          </a:fillRef>
+          <a:effectRef idx="0">
+            <a:schemeClr val="dk1"/>
+          </a:effectRef>
+          <a:fontRef idx="minor">
+            <a:schemeClr val="tx1"/>
+          </a:fontRef>
+        </p:style>
+      </p:cxnSp>
+      <p:sp>
+        <p:nvSpPr>
+          <p:cNvPr id="51" name="TextBox 50"/>
+          <p:cNvSpPr txBox="1"/>
+          <p:nvPr/>
+        </p:nvSpPr>
+        <p:spPr>
+          <a:xfrm>
+            <a:off x="1780117" y="1042255"/>
+            <a:ext cx="1686983" cy="261610"/>
+          </a:xfrm>
+          <a:prstGeom prst="rect">
+            <a:avLst/>
+          </a:prstGeom>
+          <a:noFill/>
+        </p:spPr>
+        <p:txBody>
+          <a:bodyPr wrap="square" rtlCol="0">
+            <a:spAutoFit/>
+          </a:bodyPr>
+          <a:lstStyle/>
+          <a:p>
+            <a:r>
+              <a:rPr lang="en-CA" sz="1100" dirty="0" smtClean="0"/>
+              <a:t>Resume Model Builder</a:t>
+            </a:r>
+            <a:endParaRPr lang="en-CA" sz="1100" dirty="0"/>
+          </a:p>
+        </p:txBody>
+      </p:sp>
+      <p:sp>
+        <p:nvSpPr>
+          <p:cNvPr id="52" name="TextBox 51"/>
+          <p:cNvSpPr txBox="1"/>
+          <p:nvPr/>
+        </p:nvSpPr>
+        <p:spPr>
+          <a:xfrm>
+            <a:off x="1682749" y="3353026"/>
+            <a:ext cx="1686983" cy="261610"/>
+          </a:xfrm>
+          <a:prstGeom prst="rect">
+            <a:avLst/>
+          </a:prstGeom>
+          <a:noFill/>
+        </p:spPr>
+        <p:txBody>
+          <a:bodyPr wrap="square" rtlCol="0">
+            <a:spAutoFit/>
+          </a:bodyPr>
+          <a:lstStyle/>
+          <a:p>
+            <a:pPr algn="ctr"/>
+            <a:r>
+              <a:rPr lang="en-CA" sz="1100" dirty="0" smtClean="0"/>
+              <a:t>Resume Matcher</a:t>
+            </a:r>
+            <a:endParaRPr lang="en-CA" sz="1100" dirty="0"/>
+          </a:p>
+        </p:txBody>
+      </p:sp>
+      <p:sp>
+        <p:nvSpPr>
+          <p:cNvPr id="53" name="TextBox 52"/>
+          <p:cNvSpPr txBox="1"/>
+          <p:nvPr/>
+        </p:nvSpPr>
+        <p:spPr>
+          <a:xfrm>
+            <a:off x="3818465" y="839053"/>
+            <a:ext cx="1686983" cy="261610"/>
+          </a:xfrm>
+          <a:prstGeom prst="rect">
+            <a:avLst/>
+          </a:prstGeom>
+          <a:noFill/>
+        </p:spPr>
+        <p:txBody>
+          <a:bodyPr wrap="square" rtlCol="0">
+            <a:spAutoFit/>
+          </a:bodyPr>
+          <a:lstStyle/>
+          <a:p>
+            <a:pPr algn="ctr"/>
+            <a:r>
+              <a:rPr lang="en-CA" sz="1100" dirty="0" smtClean="0"/>
+              <a:t>Master DB</a:t>
+            </a:r>
+            <a:endParaRPr lang="en-CA" sz="1100" dirty="0"/>
+          </a:p>
+        </p:txBody>
+      </p:sp>
+      <p:sp>
+        <p:nvSpPr>
+          <p:cNvPr id="54" name="TextBox 53"/>
+          <p:cNvSpPr txBox="1"/>
+          <p:nvPr/>
+        </p:nvSpPr>
+        <p:spPr>
+          <a:xfrm>
+            <a:off x="6121400" y="1069344"/>
+            <a:ext cx="1686983" cy="261610"/>
+          </a:xfrm>
+          <a:prstGeom prst="rect">
+            <a:avLst/>
+          </a:prstGeom>
+          <a:noFill/>
+        </p:spPr>
+        <p:txBody>
+          <a:bodyPr wrap="square" rtlCol="0">
+            <a:spAutoFit/>
+          </a:bodyPr>
+          <a:lstStyle/>
+          <a:p>
+            <a:r>
+              <a:rPr lang="en-CA" sz="1100" dirty="0" smtClean="0"/>
+              <a:t>Job Model Builder</a:t>
+            </a:r>
+            <a:endParaRPr lang="en-CA" sz="1100" dirty="0"/>
+          </a:p>
+        </p:txBody>
+      </p:sp>
+    </p:spTree>
+    <p:extLst>
+      <p:ext uri="{BB962C8B-B14F-4D97-AF65-F5344CB8AC3E}">
+        <p14:creationId xmlns:p14="http://schemas.microsoft.com/office/powerpoint/2010/main" val="2266093067"/>
+      </p:ext>
+    </p:extLst>
+  </p:cSld>
+  <p:clrMapOvr>
+    <a:masterClrMapping/>
+  </p:clrMapOvr>
+</p:sld>
+</file>
+
+<file path=ppt/slides/slide6.xml><?xml version="1.0" encoding="utf-8"?>
+<p:sld xmlns:a="http://schemas.openxmlformats.org/drawingml/2006/main" xmlns:r="http://schemas.openxmlformats.org/officeDocument/2006/relationships" xmlns:p="http://schemas.openxmlformats.org/presentationml/2006/main">
+  <p:cSld>
+    <p:spTree>
+      <p:nvGrpSpPr>
+        <p:cNvPr id="1" name=""/>
+        <p:cNvGrpSpPr/>
+        <p:nvPr/>
+      </p:nvGrpSpPr>
+      <p:grpSpPr>
+        <a:xfrm>
+          <a:off x="0" y="0"/>
+          <a:ext cx="0" cy="0"/>
+          <a:chOff x="0" y="0"/>
+          <a:chExt cx="0" cy="0"/>
+        </a:xfrm>
+      </p:grpSpPr>
+      <p:sp>
+        <p:nvSpPr>
+          <p:cNvPr id="4" name="Rectangle 3"/>
+          <p:cNvSpPr/>
+          <p:nvPr/>
+        </p:nvSpPr>
+        <p:spPr>
+          <a:xfrm>
+            <a:off x="2156882" y="3830094"/>
+            <a:ext cx="812800" cy="558800"/>
+          </a:xfrm>
+          <a:prstGeom prst="rect">
+            <a:avLst/>
+          </a:prstGeom>
+        </p:spPr>
+        <p:style>
+          <a:lnRef idx="2">
+            <a:schemeClr val="dk1"/>
+          </a:lnRef>
+          <a:fillRef idx="1">
+            <a:schemeClr val="lt1"/>
+          </a:fillRef>
+          <a:effectRef idx="0">
+            <a:schemeClr val="dk1"/>
+          </a:effectRef>
+          <a:fontRef idx="minor">
+            <a:schemeClr val="dk1"/>
+          </a:fontRef>
+        </p:style>
+        <p:txBody>
+          <a:bodyPr rtlCol="0" anchor="ctr"/>
+          <a:lstStyle/>
+          <a:p>
+            <a:pPr algn="ctr"/>
+            <a:r>
+              <a:rPr lang="en-CA" sz="1200" dirty="0" smtClean="0"/>
+              <a:t>Pattern Matching</a:t>
+            </a:r>
+            <a:endParaRPr lang="en-CA" sz="1200" dirty="0"/>
+          </a:p>
+        </p:txBody>
+      </p:sp>
+      <p:sp>
+        <p:nvSpPr>
+          <p:cNvPr id="5" name="Rectangle 4"/>
+          <p:cNvSpPr/>
+          <p:nvPr/>
+        </p:nvSpPr>
+        <p:spPr>
+          <a:xfrm>
+            <a:off x="2156882" y="2969147"/>
+            <a:ext cx="812800" cy="558800"/>
+          </a:xfrm>
+          <a:prstGeom prst="rect">
+            <a:avLst/>
+          </a:prstGeom>
+        </p:spPr>
+        <p:style>
+          <a:lnRef idx="2">
+            <a:schemeClr val="dk1"/>
+          </a:lnRef>
+          <a:fillRef idx="1">
+            <a:schemeClr val="lt1"/>
+          </a:fillRef>
+          <a:effectRef idx="0">
+            <a:schemeClr val="dk1"/>
+          </a:effectRef>
+          <a:fontRef idx="minor">
+            <a:schemeClr val="dk1"/>
+          </a:fontRef>
+        </p:style>
+        <p:txBody>
+          <a:bodyPr rtlCol="0" anchor="ctr"/>
+          <a:lstStyle/>
+          <a:p>
+            <a:pPr algn="ctr"/>
+            <a:r>
+              <a:rPr lang="en-CA" sz="1200" dirty="0" smtClean="0"/>
+              <a:t>Semantic Labelling</a:t>
+            </a:r>
+            <a:endParaRPr lang="en-CA" sz="1200" dirty="0"/>
+          </a:p>
+        </p:txBody>
+      </p:sp>
+      <p:sp>
+        <p:nvSpPr>
+          <p:cNvPr id="7" name="Rectangle 6"/>
+          <p:cNvSpPr/>
+          <p:nvPr/>
+        </p:nvSpPr>
+        <p:spPr>
+          <a:xfrm>
+            <a:off x="1871123" y="255598"/>
+            <a:ext cx="1049874" cy="509054"/>
+          </a:xfrm>
+          <a:prstGeom prst="rect">
+            <a:avLst/>
+          </a:prstGeom>
+        </p:spPr>
+        <p:style>
+          <a:lnRef idx="2">
+            <a:schemeClr val="dk1"/>
+          </a:lnRef>
+          <a:fillRef idx="1">
+            <a:schemeClr val="lt1"/>
+          </a:fillRef>
+          <a:effectRef idx="0">
+            <a:schemeClr val="dk1"/>
+          </a:effectRef>
+          <a:fontRef idx="minor">
+            <a:schemeClr val="dk1"/>
+          </a:fontRef>
+        </p:style>
+        <p:txBody>
+          <a:bodyPr rtlCol="0" anchor="ctr"/>
+          <a:lstStyle/>
+          <a:p>
+            <a:pPr algn="ctr"/>
+            <a:r>
+              <a:rPr lang="en-CA" sz="1200" dirty="0" smtClean="0"/>
+              <a:t>New Job/Resume Content</a:t>
+            </a:r>
+            <a:endParaRPr lang="en-CA" sz="1200" dirty="0"/>
+          </a:p>
+        </p:txBody>
+      </p:sp>
+      <p:sp>
+        <p:nvSpPr>
+          <p:cNvPr id="9" name="Rectangle 8"/>
+          <p:cNvSpPr/>
+          <p:nvPr/>
+        </p:nvSpPr>
+        <p:spPr>
+          <a:xfrm>
+            <a:off x="1780117" y="1066799"/>
+            <a:ext cx="1488016" cy="1600201"/>
+          </a:xfrm>
+          <a:prstGeom prst="rect">
+            <a:avLst/>
+          </a:prstGeom>
+        </p:spPr>
+        <p:style>
+          <a:lnRef idx="2">
+            <a:schemeClr val="dk1"/>
+          </a:lnRef>
+          <a:fillRef idx="1">
+            <a:schemeClr val="lt1"/>
+          </a:fillRef>
+          <a:effectRef idx="0">
+            <a:schemeClr val="dk1"/>
+          </a:effectRef>
+          <a:fontRef idx="minor">
+            <a:schemeClr val="dk1"/>
+          </a:fontRef>
+        </p:style>
+        <p:txBody>
+          <a:bodyPr rtlCol="0" anchor="ctr"/>
+          <a:lstStyle/>
+          <a:p>
+            <a:pPr algn="just"/>
+            <a:endParaRPr lang="en-CA" sz="1200" dirty="0"/>
+          </a:p>
+        </p:txBody>
+      </p:sp>
+      <p:sp>
+        <p:nvSpPr>
+          <p:cNvPr id="13" name="Oval 12"/>
+          <p:cNvSpPr/>
+          <p:nvPr/>
+        </p:nvSpPr>
+        <p:spPr>
+          <a:xfrm>
+            <a:off x="2051048" y="4794252"/>
+            <a:ext cx="935566" cy="423334"/>
+          </a:xfrm>
+          <a:prstGeom prst="ellipse">
+            <a:avLst/>
+          </a:prstGeom>
+        </p:spPr>
+        <p:style>
+          <a:lnRef idx="2">
+            <a:schemeClr val="dk1"/>
+          </a:lnRef>
+          <a:fillRef idx="1">
+            <a:schemeClr val="lt1"/>
+          </a:fillRef>
+          <a:effectRef idx="0">
+            <a:schemeClr val="dk1"/>
+          </a:effectRef>
+          <a:fontRef idx="minor">
+            <a:schemeClr val="dk1"/>
+          </a:fontRef>
+        </p:style>
+        <p:txBody>
+          <a:bodyPr rtlCol="0" anchor="ctr"/>
+          <a:lstStyle/>
+          <a:p>
+            <a:pPr algn="ctr"/>
+            <a:r>
+              <a:rPr lang="en-CA" sz="1200" dirty="0" smtClean="0"/>
+              <a:t>DB</a:t>
+            </a:r>
+            <a:endParaRPr lang="en-CA" sz="1200" dirty="0"/>
+          </a:p>
+        </p:txBody>
+      </p:sp>
+      <p:sp>
+        <p:nvSpPr>
+          <p:cNvPr id="23" name="Rectangle 22"/>
+          <p:cNvSpPr/>
+          <p:nvPr/>
+        </p:nvSpPr>
+        <p:spPr>
+          <a:xfrm>
+            <a:off x="2051048" y="1746251"/>
+            <a:ext cx="918634" cy="292101"/>
+          </a:xfrm>
+          <a:prstGeom prst="rect">
+            <a:avLst/>
+          </a:prstGeom>
+          <a:ln>
+            <a:prstDash val="sysDot"/>
+          </a:ln>
+        </p:spPr>
+        <p:style>
+          <a:lnRef idx="2">
+            <a:schemeClr val="dk1"/>
+          </a:lnRef>
+          <a:fillRef idx="1">
+            <a:schemeClr val="lt1"/>
+          </a:fillRef>
+          <a:effectRef idx="0">
+            <a:schemeClr val="dk1"/>
+          </a:effectRef>
+          <a:fontRef idx="minor">
+            <a:schemeClr val="dk1"/>
+          </a:fontRef>
+        </p:style>
+        <p:txBody>
+          <a:bodyPr rtlCol="0" anchor="ctr"/>
+          <a:lstStyle/>
+          <a:p>
+            <a:pPr algn="ctr"/>
+            <a:r>
+              <a:rPr lang="en-CA" sz="1200" dirty="0" smtClean="0"/>
+              <a:t>Segmenting</a:t>
+            </a:r>
+            <a:endParaRPr lang="en-CA" sz="1200" dirty="0"/>
+          </a:p>
+        </p:txBody>
+      </p:sp>
+      <p:sp>
+        <p:nvSpPr>
+          <p:cNvPr id="24" name="Rectangle 23"/>
+          <p:cNvSpPr/>
+          <p:nvPr/>
+        </p:nvSpPr>
+        <p:spPr>
+          <a:xfrm>
+            <a:off x="2051048" y="1286936"/>
+            <a:ext cx="918634" cy="292101"/>
+          </a:xfrm>
+          <a:prstGeom prst="rect">
+            <a:avLst/>
+          </a:prstGeom>
+          <a:ln>
+            <a:prstDash val="sysDot"/>
+          </a:ln>
+        </p:spPr>
+        <p:style>
+          <a:lnRef idx="2">
+            <a:schemeClr val="dk1"/>
+          </a:lnRef>
+          <a:fillRef idx="1">
+            <a:schemeClr val="lt1"/>
+          </a:fillRef>
+          <a:effectRef idx="0">
+            <a:schemeClr val="dk1"/>
+          </a:effectRef>
+          <a:fontRef idx="minor">
+            <a:schemeClr val="dk1"/>
+          </a:fontRef>
+        </p:style>
+        <p:txBody>
+          <a:bodyPr rtlCol="0" anchor="ctr"/>
+          <a:lstStyle/>
+          <a:p>
+            <a:pPr algn="ctr"/>
+            <a:r>
+              <a:rPr lang="en-CA" sz="1200" dirty="0" smtClean="0"/>
+              <a:t>Parsing</a:t>
+            </a:r>
+            <a:endParaRPr lang="en-CA" sz="1200" dirty="0"/>
+          </a:p>
+        </p:txBody>
+      </p:sp>
+      <p:sp>
+        <p:nvSpPr>
+          <p:cNvPr id="51" name="TextBox 50"/>
+          <p:cNvSpPr txBox="1"/>
+          <p:nvPr/>
+        </p:nvSpPr>
+        <p:spPr>
+          <a:xfrm>
+            <a:off x="2006599" y="1035052"/>
+            <a:ext cx="1686983" cy="261610"/>
+          </a:xfrm>
+          <a:prstGeom prst="rect">
+            <a:avLst/>
+          </a:prstGeom>
+          <a:noFill/>
+        </p:spPr>
+        <p:txBody>
+          <a:bodyPr wrap="square" rtlCol="0">
+            <a:spAutoFit/>
+          </a:bodyPr>
+          <a:lstStyle/>
+          <a:p>
+            <a:r>
+              <a:rPr lang="en-CA" sz="1100" dirty="0" smtClean="0"/>
+              <a:t>Preprocessing</a:t>
+            </a:r>
+            <a:endParaRPr lang="en-CA" sz="1100" dirty="0"/>
+          </a:p>
+        </p:txBody>
+      </p:sp>
+      <p:sp>
+        <p:nvSpPr>
+          <p:cNvPr id="40" name="Rectangle 39"/>
+          <p:cNvSpPr/>
+          <p:nvPr/>
+        </p:nvSpPr>
+        <p:spPr>
+          <a:xfrm>
+            <a:off x="2051048" y="2205566"/>
+            <a:ext cx="918634" cy="292101"/>
+          </a:xfrm>
+          <a:prstGeom prst="rect">
+            <a:avLst/>
+          </a:prstGeom>
+          <a:ln>
+            <a:prstDash val="sysDot"/>
+          </a:ln>
+        </p:spPr>
+        <p:style>
+          <a:lnRef idx="2">
+            <a:schemeClr val="dk1"/>
+          </a:lnRef>
+          <a:fillRef idx="1">
+            <a:schemeClr val="lt1"/>
+          </a:fillRef>
+          <a:effectRef idx="0">
+            <a:schemeClr val="dk1"/>
+          </a:effectRef>
+          <a:fontRef idx="minor">
+            <a:schemeClr val="dk1"/>
+          </a:fontRef>
+        </p:style>
+        <p:txBody>
+          <a:bodyPr rtlCol="0" anchor="ctr"/>
+          <a:lstStyle/>
+          <a:p>
+            <a:pPr algn="ctr"/>
+            <a:r>
+              <a:rPr lang="en-CA" sz="1200" dirty="0" smtClean="0"/>
+              <a:t>Tokenizing</a:t>
+            </a:r>
+            <a:endParaRPr lang="en-CA" sz="1200" dirty="0"/>
+          </a:p>
+        </p:txBody>
+      </p:sp>
+    </p:spTree>
+    <p:extLst>
+      <p:ext uri="{BB962C8B-B14F-4D97-AF65-F5344CB8AC3E}">
+        <p14:creationId xmlns:p14="http://schemas.microsoft.com/office/powerpoint/2010/main" val="741539126"/>
+      </p:ext>
+    </p:extLst>
+  </p:cSld>
+  <p:clrMapOvr>
+    <a:masterClrMapping/>
+  </p:clrMapOvr>
+</p:sld>
+</file>
+
 <file path=ppt/theme/theme1.xml><?xml version="1.0" encoding="utf-8"?>
 <a:theme xmlns:a="http://schemas.openxmlformats.org/drawingml/2006/main" name="Office Theme">
   <a:themeElements>

--- a/Risk Models.pptx
+++ b/Risk Models.pptx
@@ -8909,7 +8909,7 @@
         </p:nvSpPr>
         <p:spPr>
           <a:xfrm>
-            <a:off x="2156882" y="3830094"/>
+            <a:off x="2114547" y="3830094"/>
             <a:ext cx="812800" cy="558800"/>
           </a:xfrm>
           <a:prstGeom prst="rect">
@@ -8951,7 +8951,7 @@
         </p:nvSpPr>
         <p:spPr>
           <a:xfrm>
-            <a:off x="2156882" y="2969147"/>
+            <a:off x="2123014" y="2969147"/>
             <a:ext cx="812800" cy="558800"/>
           </a:xfrm>
           <a:prstGeom prst="rect">
@@ -8993,7 +8993,7 @@
         </p:nvSpPr>
         <p:spPr>
           <a:xfrm>
-            <a:off x="1871123" y="255598"/>
+            <a:off x="2023527" y="255598"/>
             <a:ext cx="1049874" cy="509054"/>
           </a:xfrm>
           <a:prstGeom prst="rect">
@@ -9272,6 +9272,149 @@
           </a:p>
         </p:txBody>
       </p:sp>
+      <p:cxnSp>
+        <p:nvCxnSpPr>
+          <p:cNvPr id="16" name="Straight Arrow Connector 15"/>
+          <p:cNvCxnSpPr>
+            <a:stCxn id="7" idx="2"/>
+          </p:cNvCxnSpPr>
+          <p:nvPr/>
+        </p:nvCxnSpPr>
+        <p:spPr>
+          <a:xfrm>
+            <a:off x="2548464" y="764652"/>
+            <a:ext cx="0" cy="287604"/>
+          </a:xfrm>
+          <a:prstGeom prst="straightConnector1">
+            <a:avLst/>
+          </a:prstGeom>
+          <a:ln>
+            <a:tailEnd type="triangle"/>
+          </a:ln>
+        </p:spPr>
+        <p:style>
+          <a:lnRef idx="1">
+            <a:schemeClr val="dk1"/>
+          </a:lnRef>
+          <a:fillRef idx="0">
+            <a:schemeClr val="dk1"/>
+          </a:fillRef>
+          <a:effectRef idx="0">
+            <a:schemeClr val="dk1"/>
+          </a:effectRef>
+          <a:fontRef idx="minor">
+            <a:schemeClr val="tx1"/>
+          </a:fontRef>
+        </p:style>
+      </p:cxnSp>
+      <p:cxnSp>
+        <p:nvCxnSpPr>
+          <p:cNvPr id="32" name="Straight Arrow Connector 31"/>
+          <p:cNvCxnSpPr>
+            <a:stCxn id="9" idx="2"/>
+            <a:endCxn id="5" idx="0"/>
+          </p:cNvCxnSpPr>
+          <p:nvPr/>
+        </p:nvCxnSpPr>
+        <p:spPr>
+          <a:xfrm>
+            <a:off x="2524125" y="2667000"/>
+            <a:ext cx="5289" cy="302147"/>
+          </a:xfrm>
+          <a:prstGeom prst="straightConnector1">
+            <a:avLst/>
+          </a:prstGeom>
+          <a:ln>
+            <a:tailEnd type="triangle"/>
+          </a:ln>
+        </p:spPr>
+        <p:style>
+          <a:lnRef idx="1">
+            <a:schemeClr val="dk1"/>
+          </a:lnRef>
+          <a:fillRef idx="0">
+            <a:schemeClr val="dk1"/>
+          </a:fillRef>
+          <a:effectRef idx="0">
+            <a:schemeClr val="dk1"/>
+          </a:effectRef>
+          <a:fontRef idx="minor">
+            <a:schemeClr val="tx1"/>
+          </a:fontRef>
+        </p:style>
+      </p:cxnSp>
+      <p:cxnSp>
+        <p:nvCxnSpPr>
+          <p:cNvPr id="36" name="Straight Arrow Connector 35"/>
+          <p:cNvCxnSpPr>
+            <a:stCxn id="5" idx="2"/>
+            <a:endCxn id="4" idx="0"/>
+          </p:cNvCxnSpPr>
+          <p:nvPr/>
+        </p:nvCxnSpPr>
+        <p:spPr>
+          <a:xfrm flipH="1">
+            <a:off x="2520947" y="3527947"/>
+            <a:ext cx="8467" cy="302147"/>
+          </a:xfrm>
+          <a:prstGeom prst="straightConnector1">
+            <a:avLst/>
+          </a:prstGeom>
+          <a:ln>
+            <a:tailEnd type="triangle"/>
+          </a:ln>
+        </p:spPr>
+        <p:style>
+          <a:lnRef idx="1">
+            <a:schemeClr val="dk1"/>
+          </a:lnRef>
+          <a:fillRef idx="0">
+            <a:schemeClr val="dk1"/>
+          </a:fillRef>
+          <a:effectRef idx="0">
+            <a:schemeClr val="dk1"/>
+          </a:effectRef>
+          <a:fontRef idx="minor">
+            <a:schemeClr val="tx1"/>
+          </a:fontRef>
+        </p:style>
+      </p:cxnSp>
+      <p:cxnSp>
+        <p:nvCxnSpPr>
+          <p:cNvPr id="42" name="Straight Arrow Connector 41"/>
+          <p:cNvCxnSpPr>
+            <a:stCxn id="4" idx="2"/>
+            <a:endCxn id="13" idx="0"/>
+          </p:cNvCxnSpPr>
+          <p:nvPr/>
+        </p:nvCxnSpPr>
+        <p:spPr>
+          <a:xfrm flipH="1">
+            <a:off x="2518831" y="4388894"/>
+            <a:ext cx="2116" cy="405358"/>
+          </a:xfrm>
+          <a:prstGeom prst="straightConnector1">
+            <a:avLst/>
+          </a:prstGeom>
+          <a:ln>
+            <a:tailEnd type="triangle"/>
+          </a:ln>
+        </p:spPr>
+        <p:style>
+          <a:lnRef idx="1">
+            <a:schemeClr val="dk1"/>
+          </a:lnRef>
+          <a:fillRef idx="0">
+            <a:schemeClr val="dk1"/>
+          </a:fillRef>
+          <a:effectRef idx="0">
+            <a:schemeClr val="dk1"/>
+          </a:effectRef>
+          <a:fontRef idx="minor">
+            <a:schemeClr val="tx1"/>
+          </a:fontRef>
+        </p:style>
+      </p:cxnSp>
     </p:spTree>
     <p:extLst>
       <p:ext uri="{BB962C8B-B14F-4D97-AF65-F5344CB8AC3E}">

--- a/Risk Models.pptx
+++ b/Risk Models.pptx
@@ -3135,7 +3135,7 @@
           <a:p>
             <a:fld id="{E8B6CBB8-59B9-4B15-862E-9F9EA068EDD7}" type="datetimeFigureOut">
               <a:rPr lang="en-CA" smtClean="0"/>
-              <a:t>2017-03-15</a:t>
+              <a:t>2017-03-22</a:t>
             </a:fld>
             <a:endParaRPr lang="en-CA"/>
           </a:p>
@@ -3305,7 +3305,7 @@
           <a:p>
             <a:fld id="{E8B6CBB8-59B9-4B15-862E-9F9EA068EDD7}" type="datetimeFigureOut">
               <a:rPr lang="en-CA" smtClean="0"/>
-              <a:t>2017-03-15</a:t>
+              <a:t>2017-03-22</a:t>
             </a:fld>
             <a:endParaRPr lang="en-CA"/>
           </a:p>
@@ -3485,7 +3485,7 @@
           <a:p>
             <a:fld id="{E8B6CBB8-59B9-4B15-862E-9F9EA068EDD7}" type="datetimeFigureOut">
               <a:rPr lang="en-CA" smtClean="0"/>
-              <a:t>2017-03-15</a:t>
+              <a:t>2017-03-22</a:t>
             </a:fld>
             <a:endParaRPr lang="en-CA"/>
           </a:p>
@@ -3655,7 +3655,7 @@
           <a:p>
             <a:fld id="{E8B6CBB8-59B9-4B15-862E-9F9EA068EDD7}" type="datetimeFigureOut">
               <a:rPr lang="en-CA" smtClean="0"/>
-              <a:t>2017-03-15</a:t>
+              <a:t>2017-03-22</a:t>
             </a:fld>
             <a:endParaRPr lang="en-CA"/>
           </a:p>
@@ -3901,7 +3901,7 @@
           <a:p>
             <a:fld id="{E8B6CBB8-59B9-4B15-862E-9F9EA068EDD7}" type="datetimeFigureOut">
               <a:rPr lang="en-CA" smtClean="0"/>
-              <a:t>2017-03-15</a:t>
+              <a:t>2017-03-22</a:t>
             </a:fld>
             <a:endParaRPr lang="en-CA"/>
           </a:p>
@@ -4133,7 +4133,7 @@
           <a:p>
             <a:fld id="{E8B6CBB8-59B9-4B15-862E-9F9EA068EDD7}" type="datetimeFigureOut">
               <a:rPr lang="en-CA" smtClean="0"/>
-              <a:t>2017-03-15</a:t>
+              <a:t>2017-03-22</a:t>
             </a:fld>
             <a:endParaRPr lang="en-CA"/>
           </a:p>
@@ -4500,7 +4500,7 @@
           <a:p>
             <a:fld id="{E8B6CBB8-59B9-4B15-862E-9F9EA068EDD7}" type="datetimeFigureOut">
               <a:rPr lang="en-CA" smtClean="0"/>
-              <a:t>2017-03-15</a:t>
+              <a:t>2017-03-22</a:t>
             </a:fld>
             <a:endParaRPr lang="en-CA"/>
           </a:p>
@@ -4618,7 +4618,7 @@
           <a:p>
             <a:fld id="{E8B6CBB8-59B9-4B15-862E-9F9EA068EDD7}" type="datetimeFigureOut">
               <a:rPr lang="en-CA" smtClean="0"/>
-              <a:t>2017-03-15</a:t>
+              <a:t>2017-03-22</a:t>
             </a:fld>
             <a:endParaRPr lang="en-CA"/>
           </a:p>
@@ -4713,7 +4713,7 @@
           <a:p>
             <a:fld id="{E8B6CBB8-59B9-4B15-862E-9F9EA068EDD7}" type="datetimeFigureOut">
               <a:rPr lang="en-CA" smtClean="0"/>
-              <a:t>2017-03-15</a:t>
+              <a:t>2017-03-22</a:t>
             </a:fld>
             <a:endParaRPr lang="en-CA"/>
           </a:p>
@@ -4990,7 +4990,7 @@
           <a:p>
             <a:fld id="{E8B6CBB8-59B9-4B15-862E-9F9EA068EDD7}" type="datetimeFigureOut">
               <a:rPr lang="en-CA" smtClean="0"/>
-              <a:t>2017-03-15</a:t>
+              <a:t>2017-03-22</a:t>
             </a:fld>
             <a:endParaRPr lang="en-CA"/>
           </a:p>
@@ -5243,7 +5243,7 @@
           <a:p>
             <a:fld id="{E8B6CBB8-59B9-4B15-862E-9F9EA068EDD7}" type="datetimeFigureOut">
               <a:rPr lang="en-CA" smtClean="0"/>
-              <a:t>2017-03-15</a:t>
+              <a:t>2017-03-22</a:t>
             </a:fld>
             <a:endParaRPr lang="en-CA"/>
           </a:p>
@@ -5456,7 +5456,7 @@
           <a:p>
             <a:fld id="{E8B6CBB8-59B9-4B15-862E-9F9EA068EDD7}" type="datetimeFigureOut">
               <a:rPr lang="en-CA" smtClean="0"/>
-              <a:t>2017-03-15</a:t>
+              <a:t>2017-03-22</a:t>
             </a:fld>
             <a:endParaRPr lang="en-CA"/>
           </a:p>
@@ -9312,7 +9312,7 @@
         </p:nvSpPr>
         <p:spPr>
           <a:xfrm>
-            <a:off x="2114547" y="3830094"/>
+            <a:off x="4709092" y="329141"/>
             <a:ext cx="812800" cy="558800"/>
           </a:xfrm>
           <a:prstGeom prst="rect">
@@ -9354,7 +9354,7 @@
         </p:nvSpPr>
         <p:spPr>
           <a:xfrm>
-            <a:off x="2123014" y="2969147"/>
+            <a:off x="3563402" y="338867"/>
             <a:ext cx="812800" cy="558800"/>
           </a:xfrm>
           <a:prstGeom prst="rect">
@@ -9396,7 +9396,7 @@
         </p:nvSpPr>
         <p:spPr>
           <a:xfrm>
-            <a:off x="2023527" y="255598"/>
+            <a:off x="233364" y="334436"/>
             <a:ext cx="1049874" cy="509054"/>
           </a:xfrm>
           <a:prstGeom prst="rect">
@@ -9438,7 +9438,7 @@
         </p:nvSpPr>
         <p:spPr>
           <a:xfrm>
-            <a:off x="1780117" y="1066799"/>
+            <a:off x="1785406" y="109004"/>
             <a:ext cx="1488016" cy="1600201"/>
           </a:xfrm>
           <a:prstGeom prst="rect">
@@ -9476,7 +9476,7 @@
         </p:nvSpPr>
         <p:spPr>
           <a:xfrm>
-            <a:off x="2051048" y="4794252"/>
+            <a:off x="5854782" y="403759"/>
             <a:ext cx="935566" cy="423334"/>
           </a:xfrm>
           <a:prstGeom prst="ellipse">
@@ -9518,7 +9518,7 @@
         </p:nvSpPr>
         <p:spPr>
           <a:xfrm>
-            <a:off x="2051048" y="1746251"/>
+            <a:off x="2056337" y="788456"/>
             <a:ext cx="918634" cy="292101"/>
           </a:xfrm>
           <a:prstGeom prst="rect">
@@ -9563,7 +9563,7 @@
         </p:nvSpPr>
         <p:spPr>
           <a:xfrm>
-            <a:off x="2051048" y="1286936"/>
+            <a:off x="2056337" y="329141"/>
             <a:ext cx="918634" cy="292101"/>
           </a:xfrm>
           <a:prstGeom prst="rect">
@@ -9608,7 +9608,7 @@
         </p:nvSpPr>
         <p:spPr>
           <a:xfrm>
-            <a:off x="2006599" y="1035052"/>
+            <a:off x="2011888" y="77257"/>
             <a:ext cx="1686983" cy="261610"/>
           </a:xfrm>
           <a:prstGeom prst="rect">
@@ -9638,7 +9638,7 @@
         </p:nvSpPr>
         <p:spPr>
           <a:xfrm>
-            <a:off x="2051048" y="2205566"/>
+            <a:off x="2056337" y="1247771"/>
             <a:ext cx="918634" cy="292101"/>
           </a:xfrm>
           <a:prstGeom prst="rect">
@@ -9679,14 +9679,14 @@
         <p:nvCxnSpPr>
           <p:cNvPr id="16" name="Straight Arrow Connector 15"/>
           <p:cNvCxnSpPr>
-            <a:stCxn id="7" idx="2"/>
+            <a:stCxn id="7" idx="3"/>
           </p:cNvCxnSpPr>
           <p:nvPr/>
         </p:nvCxnSpPr>
         <p:spPr>
-          <a:xfrm>
-            <a:off x="2548464" y="764652"/>
-            <a:ext cx="0" cy="287604"/>
+          <a:xfrm flipV="1">
+            <a:off x="1283238" y="576789"/>
+            <a:ext cx="502168" cy="12174"/>
           </a:xfrm>
           <a:prstGeom prst="straightConnector1">
             <a:avLst/>
@@ -9714,15 +9714,15 @@
         <p:nvCxnSpPr>
           <p:cNvPr id="32" name="Straight Arrow Connector 31"/>
           <p:cNvCxnSpPr>
-            <a:stCxn id="9" idx="2"/>
-            <a:endCxn id="5" idx="0"/>
+            <a:stCxn id="5" idx="3"/>
+            <a:endCxn id="4" idx="1"/>
           </p:cNvCxnSpPr>
           <p:nvPr/>
         </p:nvCxnSpPr>
         <p:spPr>
-          <a:xfrm>
-            <a:off x="2524125" y="2667000"/>
-            <a:ext cx="5289" cy="302147"/>
+          <a:xfrm flipV="1">
+            <a:off x="4376202" y="608541"/>
+            <a:ext cx="332890" cy="9726"/>
           </a:xfrm>
           <a:prstGeom prst="straightConnector1">
             <a:avLst/>
@@ -9750,15 +9750,14 @@
         <p:nvCxnSpPr>
           <p:cNvPr id="36" name="Straight Arrow Connector 35"/>
           <p:cNvCxnSpPr>
-            <a:stCxn id="5" idx="2"/>
-            <a:endCxn id="4" idx="0"/>
+            <a:endCxn id="5" idx="1"/>
           </p:cNvCxnSpPr>
           <p:nvPr/>
         </p:nvCxnSpPr>
         <p:spPr>
-          <a:xfrm flipH="1">
-            <a:off x="2520947" y="3527947"/>
-            <a:ext cx="8467" cy="302147"/>
+          <a:xfrm>
+            <a:off x="3273422" y="618267"/>
+            <a:ext cx="289980" cy="0"/>
           </a:xfrm>
           <a:prstGeom prst="straightConnector1">
             <a:avLst/>
@@ -9786,15 +9785,15 @@
         <p:nvCxnSpPr>
           <p:cNvPr id="42" name="Straight Arrow Connector 41"/>
           <p:cNvCxnSpPr>
-            <a:stCxn id="4" idx="2"/>
-            <a:endCxn id="13" idx="0"/>
+            <a:stCxn id="4" idx="3"/>
+            <a:endCxn id="13" idx="2"/>
           </p:cNvCxnSpPr>
           <p:nvPr/>
         </p:nvCxnSpPr>
         <p:spPr>
-          <a:xfrm flipH="1">
-            <a:off x="2518831" y="4388894"/>
-            <a:ext cx="2116" cy="405358"/>
+          <a:xfrm>
+            <a:off x="5521892" y="608541"/>
+            <a:ext cx="332890" cy="6885"/>
           </a:xfrm>
           <a:prstGeom prst="straightConnector1">
             <a:avLst/>
@@ -18979,7 +18978,7 @@
         </p:nvSpPr>
         <p:spPr>
           <a:xfrm>
-            <a:off x="2229217" y="4287959"/>
+            <a:off x="2229217" y="4339475"/>
             <a:ext cx="1224295" cy="738664"/>
           </a:xfrm>
           <a:prstGeom prst="rect">

--- a/Risk Models.pptx
+++ b/Risk Models.pptx
@@ -3135,7 +3135,7 @@
           <a:p>
             <a:fld id="{E8B6CBB8-59B9-4B15-862E-9F9EA068EDD7}" type="datetimeFigureOut">
               <a:rPr lang="en-CA" smtClean="0"/>
-              <a:t>2017-03-22</a:t>
+              <a:t>2017-04-06</a:t>
             </a:fld>
             <a:endParaRPr lang="en-CA"/>
           </a:p>
@@ -3305,7 +3305,7 @@
           <a:p>
             <a:fld id="{E8B6CBB8-59B9-4B15-862E-9F9EA068EDD7}" type="datetimeFigureOut">
               <a:rPr lang="en-CA" smtClean="0"/>
-              <a:t>2017-03-22</a:t>
+              <a:t>2017-04-06</a:t>
             </a:fld>
             <a:endParaRPr lang="en-CA"/>
           </a:p>
@@ -3485,7 +3485,7 @@
           <a:p>
             <a:fld id="{E8B6CBB8-59B9-4B15-862E-9F9EA068EDD7}" type="datetimeFigureOut">
               <a:rPr lang="en-CA" smtClean="0"/>
-              <a:t>2017-03-22</a:t>
+              <a:t>2017-04-06</a:t>
             </a:fld>
             <a:endParaRPr lang="en-CA"/>
           </a:p>
@@ -3655,7 +3655,7 @@
           <a:p>
             <a:fld id="{E8B6CBB8-59B9-4B15-862E-9F9EA068EDD7}" type="datetimeFigureOut">
               <a:rPr lang="en-CA" smtClean="0"/>
-              <a:t>2017-03-22</a:t>
+              <a:t>2017-04-06</a:t>
             </a:fld>
             <a:endParaRPr lang="en-CA"/>
           </a:p>
@@ -3901,7 +3901,7 @@
           <a:p>
             <a:fld id="{E8B6CBB8-59B9-4B15-862E-9F9EA068EDD7}" type="datetimeFigureOut">
               <a:rPr lang="en-CA" smtClean="0"/>
-              <a:t>2017-03-22</a:t>
+              <a:t>2017-04-06</a:t>
             </a:fld>
             <a:endParaRPr lang="en-CA"/>
           </a:p>
@@ -4133,7 +4133,7 @@
           <a:p>
             <a:fld id="{E8B6CBB8-59B9-4B15-862E-9F9EA068EDD7}" type="datetimeFigureOut">
               <a:rPr lang="en-CA" smtClean="0"/>
-              <a:t>2017-03-22</a:t>
+              <a:t>2017-04-06</a:t>
             </a:fld>
             <a:endParaRPr lang="en-CA"/>
           </a:p>
@@ -4500,7 +4500,7 @@
           <a:p>
             <a:fld id="{E8B6CBB8-59B9-4B15-862E-9F9EA068EDD7}" type="datetimeFigureOut">
               <a:rPr lang="en-CA" smtClean="0"/>
-              <a:t>2017-03-22</a:t>
+              <a:t>2017-04-06</a:t>
             </a:fld>
             <a:endParaRPr lang="en-CA"/>
           </a:p>
@@ -4618,7 +4618,7 @@
           <a:p>
             <a:fld id="{E8B6CBB8-59B9-4B15-862E-9F9EA068EDD7}" type="datetimeFigureOut">
               <a:rPr lang="en-CA" smtClean="0"/>
-              <a:t>2017-03-22</a:t>
+              <a:t>2017-04-06</a:t>
             </a:fld>
             <a:endParaRPr lang="en-CA"/>
           </a:p>
@@ -4713,7 +4713,7 @@
           <a:p>
             <a:fld id="{E8B6CBB8-59B9-4B15-862E-9F9EA068EDD7}" type="datetimeFigureOut">
               <a:rPr lang="en-CA" smtClean="0"/>
-              <a:t>2017-03-22</a:t>
+              <a:t>2017-04-06</a:t>
             </a:fld>
             <a:endParaRPr lang="en-CA"/>
           </a:p>
@@ -4990,7 +4990,7 @@
           <a:p>
             <a:fld id="{E8B6CBB8-59B9-4B15-862E-9F9EA068EDD7}" type="datetimeFigureOut">
               <a:rPr lang="en-CA" smtClean="0"/>
-              <a:t>2017-03-22</a:t>
+              <a:t>2017-04-06</a:t>
             </a:fld>
             <a:endParaRPr lang="en-CA"/>
           </a:p>
@@ -5243,7 +5243,7 @@
           <a:p>
             <a:fld id="{E8B6CBB8-59B9-4B15-862E-9F9EA068EDD7}" type="datetimeFigureOut">
               <a:rPr lang="en-CA" smtClean="0"/>
-              <a:t>2017-03-22</a:t>
+              <a:t>2017-04-06</a:t>
             </a:fld>
             <a:endParaRPr lang="en-CA"/>
           </a:p>
@@ -5456,7 +5456,7 @@
           <a:p>
             <a:fld id="{E8B6CBB8-59B9-4B15-862E-9F9EA068EDD7}" type="datetimeFigureOut">
               <a:rPr lang="en-CA" smtClean="0"/>
-              <a:t>2017-03-22</a:t>
+              <a:t>2017-04-06</a:t>
             </a:fld>
             <a:endParaRPr lang="en-CA"/>
           </a:p>
@@ -5905,110 +5905,6 @@
       </p:sp>
       <p:sp>
         <p:nvSpPr>
-          <p:cNvPr id="5" name="Oval 4"/>
-          <p:cNvSpPr/>
-          <p:nvPr/>
-        </p:nvSpPr>
-        <p:spPr>
-          <a:xfrm>
-            <a:off x="503766" y="1951566"/>
-            <a:ext cx="118533" cy="93133"/>
-          </a:xfrm>
-          <a:prstGeom prst="ellipse">
-            <a:avLst/>
-          </a:prstGeom>
-        </p:spPr>
-        <p:style>
-          <a:lnRef idx="2">
-            <a:schemeClr val="dk1"/>
-          </a:lnRef>
-          <a:fillRef idx="1">
-            <a:schemeClr val="lt1"/>
-          </a:fillRef>
-          <a:effectRef idx="0">
-            <a:schemeClr val="dk1"/>
-          </a:effectRef>
-          <a:fontRef idx="minor">
-            <a:schemeClr val="dk1"/>
-          </a:fontRef>
-        </p:style>
-        <p:txBody>
-          <a:bodyPr rtlCol="0" anchor="ctr"/>
-          <a:lstStyle/>
-          <a:p>
-            <a:pPr algn="ctr"/>
-            <a:endParaRPr lang="en-CA"/>
-          </a:p>
-        </p:txBody>
-      </p:sp>
-      <p:cxnSp>
-        <p:nvCxnSpPr>
-          <p:cNvPr id="7" name="Straight Arrow Connector 6"/>
-          <p:cNvCxnSpPr>
-            <a:stCxn id="5" idx="6"/>
-            <a:endCxn id="4" idx="1"/>
-          </p:cNvCxnSpPr>
-          <p:nvPr/>
-        </p:nvCxnSpPr>
-        <p:spPr>
-          <a:xfrm>
-            <a:off x="622299" y="1998133"/>
-            <a:ext cx="351367" cy="1"/>
-          </a:xfrm>
-          <a:prstGeom prst="straightConnector1">
-            <a:avLst/>
-          </a:prstGeom>
-          <a:ln>
-            <a:tailEnd type="triangle"/>
-          </a:ln>
-        </p:spPr>
-        <p:style>
-          <a:lnRef idx="3">
-            <a:schemeClr val="dk1"/>
-          </a:lnRef>
-          <a:fillRef idx="0">
-            <a:schemeClr val="dk1"/>
-          </a:fillRef>
-          <a:effectRef idx="2">
-            <a:schemeClr val="dk1"/>
-          </a:effectRef>
-          <a:fontRef idx="minor">
-            <a:schemeClr val="tx1"/>
-          </a:fontRef>
-        </p:style>
-      </p:cxnSp>
-      <p:sp>
-        <p:nvSpPr>
-          <p:cNvPr id="9" name="TextBox 8"/>
-          <p:cNvSpPr txBox="1"/>
-          <p:nvPr/>
-        </p:nvSpPr>
-        <p:spPr>
-          <a:xfrm>
-            <a:off x="393699" y="2041320"/>
-            <a:ext cx="601133" cy="261610"/>
-          </a:xfrm>
-          <a:prstGeom prst="rect">
-            <a:avLst/>
-          </a:prstGeom>
-          <a:noFill/>
-        </p:spPr>
-        <p:txBody>
-          <a:bodyPr wrap="square" rtlCol="0">
-            <a:spAutoFit/>
-          </a:bodyPr>
-          <a:lstStyle/>
-          <a:p>
-            <a:r>
-              <a:rPr lang="en-CA" sz="1100" dirty="0" smtClean="0"/>
-              <a:t>Start</a:t>
-            </a:r>
-            <a:endParaRPr lang="en-CA" sz="1100" dirty="0"/>
-          </a:p>
-        </p:txBody>
-      </p:sp>
-      <p:sp>
-        <p:nvSpPr>
           <p:cNvPr id="10" name="Rounded Rectangle 9"/>
           <p:cNvSpPr/>
           <p:nvPr/>
@@ -10025,7 +9921,7 @@
             <a:pPr algn="ctr"/>
             <a:r>
               <a:rPr lang="en-CA" sz="900" dirty="0" smtClean="0"/>
-              <a:t>Factor</a:t>
+              <a:t>Factors</a:t>
             </a:r>
             <a:endParaRPr lang="en-CA" sz="900" dirty="0"/>
           </a:p>
@@ -10074,7 +9970,7 @@
             <a:pPr algn="ctr"/>
             <a:r>
               <a:rPr lang="en-CA" sz="900" dirty="0" smtClean="0"/>
-              <a:t>Factor</a:t>
+              <a:t>Factors</a:t>
             </a:r>
             <a:endParaRPr lang="en-CA" sz="900" dirty="0"/>
           </a:p>
@@ -10405,8 +10301,8 @@
         </p:nvSpPr>
         <p:spPr>
           <a:xfrm>
-            <a:off x="3704169" y="2184400"/>
-            <a:ext cx="2260600" cy="1066799"/>
+            <a:off x="3704168" y="2184400"/>
+            <a:ext cx="2366431" cy="1066799"/>
           </a:xfrm>
           <a:prstGeom prst="rect">
             <a:avLst/>
@@ -10511,8 +10407,8 @@
         </p:nvSpPr>
         <p:spPr>
           <a:xfrm>
-            <a:off x="5080000" y="2462084"/>
-            <a:ext cx="609600" cy="364065"/>
+            <a:off x="4978397" y="2443894"/>
+            <a:ext cx="986372" cy="409144"/>
           </a:xfrm>
           <a:prstGeom prst="ellipse">
             <a:avLst/>
@@ -10538,10 +10434,10 @@
           <a:p>
             <a:pPr algn="ctr"/>
             <a:r>
-              <a:rPr lang="en-CA" sz="1050" dirty="0" smtClean="0"/>
-              <a:t>Task</a:t>
-            </a:r>
-            <a:endParaRPr lang="en-CA" sz="1050" dirty="0"/>
+              <a:rPr lang="en-CA" sz="900" dirty="0" smtClean="0"/>
+              <a:t>Subsystem Goals</a:t>
+            </a:r>
+            <a:endParaRPr lang="en-CA" sz="900" dirty="0"/>
           </a:p>
         </p:txBody>
       </p:sp>
@@ -10554,7 +10450,7 @@
         <p:spPr>
           <a:xfrm>
             <a:off x="4732868" y="2518719"/>
-            <a:ext cx="347132" cy="96626"/>
+            <a:ext cx="245530" cy="96626"/>
           </a:xfrm>
           <a:prstGeom prst="straightConnector1">
             <a:avLst/>
@@ -10660,8 +10556,8 @@
         </p:nvCxnSpPr>
         <p:spPr>
           <a:xfrm>
-            <a:off x="5964769" y="2821403"/>
-            <a:ext cx="347132" cy="78690"/>
+            <a:off x="6079064" y="2760133"/>
+            <a:ext cx="232837" cy="139960"/>
           </a:xfrm>
           <a:prstGeom prst="straightConnector1">
             <a:avLst/>

--- a/Risk Models.pptx
+++ b/Risk Models.pptx
@@ -3135,7 +3135,7 @@
           <a:p>
             <a:fld id="{E8B6CBB8-59B9-4B15-862E-9F9EA068EDD7}" type="datetimeFigureOut">
               <a:rPr lang="en-CA" smtClean="0"/>
-              <a:t>2017-04-06</a:t>
+              <a:t>2017-04-07</a:t>
             </a:fld>
             <a:endParaRPr lang="en-CA"/>
           </a:p>
@@ -3305,7 +3305,7 @@
           <a:p>
             <a:fld id="{E8B6CBB8-59B9-4B15-862E-9F9EA068EDD7}" type="datetimeFigureOut">
               <a:rPr lang="en-CA" smtClean="0"/>
-              <a:t>2017-04-06</a:t>
+              <a:t>2017-04-07</a:t>
             </a:fld>
             <a:endParaRPr lang="en-CA"/>
           </a:p>
@@ -3485,7 +3485,7 @@
           <a:p>
             <a:fld id="{E8B6CBB8-59B9-4B15-862E-9F9EA068EDD7}" type="datetimeFigureOut">
               <a:rPr lang="en-CA" smtClean="0"/>
-              <a:t>2017-04-06</a:t>
+              <a:t>2017-04-07</a:t>
             </a:fld>
             <a:endParaRPr lang="en-CA"/>
           </a:p>
@@ -3655,7 +3655,7 @@
           <a:p>
             <a:fld id="{E8B6CBB8-59B9-4B15-862E-9F9EA068EDD7}" type="datetimeFigureOut">
               <a:rPr lang="en-CA" smtClean="0"/>
-              <a:t>2017-04-06</a:t>
+              <a:t>2017-04-07</a:t>
             </a:fld>
             <a:endParaRPr lang="en-CA"/>
           </a:p>
@@ -3901,7 +3901,7 @@
           <a:p>
             <a:fld id="{E8B6CBB8-59B9-4B15-862E-9F9EA068EDD7}" type="datetimeFigureOut">
               <a:rPr lang="en-CA" smtClean="0"/>
-              <a:t>2017-04-06</a:t>
+              <a:t>2017-04-07</a:t>
             </a:fld>
             <a:endParaRPr lang="en-CA"/>
           </a:p>
@@ -4133,7 +4133,7 @@
           <a:p>
             <a:fld id="{E8B6CBB8-59B9-4B15-862E-9F9EA068EDD7}" type="datetimeFigureOut">
               <a:rPr lang="en-CA" smtClean="0"/>
-              <a:t>2017-04-06</a:t>
+              <a:t>2017-04-07</a:t>
             </a:fld>
             <a:endParaRPr lang="en-CA"/>
           </a:p>
@@ -4500,7 +4500,7 @@
           <a:p>
             <a:fld id="{E8B6CBB8-59B9-4B15-862E-9F9EA068EDD7}" type="datetimeFigureOut">
               <a:rPr lang="en-CA" smtClean="0"/>
-              <a:t>2017-04-06</a:t>
+              <a:t>2017-04-07</a:t>
             </a:fld>
             <a:endParaRPr lang="en-CA"/>
           </a:p>
@@ -4618,7 +4618,7 @@
           <a:p>
             <a:fld id="{E8B6CBB8-59B9-4B15-862E-9F9EA068EDD7}" type="datetimeFigureOut">
               <a:rPr lang="en-CA" smtClean="0"/>
-              <a:t>2017-04-06</a:t>
+              <a:t>2017-04-07</a:t>
             </a:fld>
             <a:endParaRPr lang="en-CA"/>
           </a:p>
@@ -4713,7 +4713,7 @@
           <a:p>
             <a:fld id="{E8B6CBB8-59B9-4B15-862E-9F9EA068EDD7}" type="datetimeFigureOut">
               <a:rPr lang="en-CA" smtClean="0"/>
-              <a:t>2017-04-06</a:t>
+              <a:t>2017-04-07</a:t>
             </a:fld>
             <a:endParaRPr lang="en-CA"/>
           </a:p>
@@ -4990,7 +4990,7 @@
           <a:p>
             <a:fld id="{E8B6CBB8-59B9-4B15-862E-9F9EA068EDD7}" type="datetimeFigureOut">
               <a:rPr lang="en-CA" smtClean="0"/>
-              <a:t>2017-04-06</a:t>
+              <a:t>2017-04-07</a:t>
             </a:fld>
             <a:endParaRPr lang="en-CA"/>
           </a:p>
@@ -5243,7 +5243,7 @@
           <a:p>
             <a:fld id="{E8B6CBB8-59B9-4B15-862E-9F9EA068EDD7}" type="datetimeFigureOut">
               <a:rPr lang="en-CA" smtClean="0"/>
-              <a:t>2017-04-06</a:t>
+              <a:t>2017-04-07</a:t>
             </a:fld>
             <a:endParaRPr lang="en-CA"/>
           </a:p>
@@ -5456,7 +5456,7 @@
           <a:p>
             <a:fld id="{E8B6CBB8-59B9-4B15-862E-9F9EA068EDD7}" type="datetimeFigureOut">
               <a:rPr lang="en-CA" smtClean="0"/>
-              <a:t>2017-04-06</a:t>
+              <a:t>2017-04-07</a:t>
             </a:fld>
             <a:endParaRPr lang="en-CA"/>
           </a:p>
@@ -14777,7 +14777,15 @@
           <a:p>
             <a:r>
               <a:rPr lang="en-CA" sz="1050" dirty="0" smtClean="0"/>
-              <a:t>Data Management Agent</a:t>
+              <a:t>Data </a:t>
+            </a:r>
+            <a:r>
+              <a:rPr lang="en-CA" sz="1050" dirty="0" smtClean="0"/>
+              <a:t>Manager </a:t>
+            </a:r>
+            <a:r>
+              <a:rPr lang="en-CA" sz="1050" dirty="0" smtClean="0"/>
+              <a:t>Agent</a:t>
             </a:r>
             <a:endParaRPr lang="en-CA" sz="1050" dirty="0"/>
           </a:p>

--- a/Risk Models.pptx
+++ b/Risk Models.pptx
@@ -3135,7 +3135,7 @@
           <a:p>
             <a:fld id="{E8B6CBB8-59B9-4B15-862E-9F9EA068EDD7}" type="datetimeFigureOut">
               <a:rPr lang="en-CA" smtClean="0"/>
-              <a:t>2017-04-07</a:t>
+              <a:t>2017-04-16</a:t>
             </a:fld>
             <a:endParaRPr lang="en-CA"/>
           </a:p>
@@ -3305,7 +3305,7 @@
           <a:p>
             <a:fld id="{E8B6CBB8-59B9-4B15-862E-9F9EA068EDD7}" type="datetimeFigureOut">
               <a:rPr lang="en-CA" smtClean="0"/>
-              <a:t>2017-04-07</a:t>
+              <a:t>2017-04-16</a:t>
             </a:fld>
             <a:endParaRPr lang="en-CA"/>
           </a:p>
@@ -3485,7 +3485,7 @@
           <a:p>
             <a:fld id="{E8B6CBB8-59B9-4B15-862E-9F9EA068EDD7}" type="datetimeFigureOut">
               <a:rPr lang="en-CA" smtClean="0"/>
-              <a:t>2017-04-07</a:t>
+              <a:t>2017-04-16</a:t>
             </a:fld>
             <a:endParaRPr lang="en-CA"/>
           </a:p>
@@ -3655,7 +3655,7 @@
           <a:p>
             <a:fld id="{E8B6CBB8-59B9-4B15-862E-9F9EA068EDD7}" type="datetimeFigureOut">
               <a:rPr lang="en-CA" smtClean="0"/>
-              <a:t>2017-04-07</a:t>
+              <a:t>2017-04-16</a:t>
             </a:fld>
             <a:endParaRPr lang="en-CA"/>
           </a:p>
@@ -3901,7 +3901,7 @@
           <a:p>
             <a:fld id="{E8B6CBB8-59B9-4B15-862E-9F9EA068EDD7}" type="datetimeFigureOut">
               <a:rPr lang="en-CA" smtClean="0"/>
-              <a:t>2017-04-07</a:t>
+              <a:t>2017-04-16</a:t>
             </a:fld>
             <a:endParaRPr lang="en-CA"/>
           </a:p>
@@ -4133,7 +4133,7 @@
           <a:p>
             <a:fld id="{E8B6CBB8-59B9-4B15-862E-9F9EA068EDD7}" type="datetimeFigureOut">
               <a:rPr lang="en-CA" smtClean="0"/>
-              <a:t>2017-04-07</a:t>
+              <a:t>2017-04-16</a:t>
             </a:fld>
             <a:endParaRPr lang="en-CA"/>
           </a:p>
@@ -4500,7 +4500,7 @@
           <a:p>
             <a:fld id="{E8B6CBB8-59B9-4B15-862E-9F9EA068EDD7}" type="datetimeFigureOut">
               <a:rPr lang="en-CA" smtClean="0"/>
-              <a:t>2017-04-07</a:t>
+              <a:t>2017-04-16</a:t>
             </a:fld>
             <a:endParaRPr lang="en-CA"/>
           </a:p>
@@ -4618,7 +4618,7 @@
           <a:p>
             <a:fld id="{E8B6CBB8-59B9-4B15-862E-9F9EA068EDD7}" type="datetimeFigureOut">
               <a:rPr lang="en-CA" smtClean="0"/>
-              <a:t>2017-04-07</a:t>
+              <a:t>2017-04-16</a:t>
             </a:fld>
             <a:endParaRPr lang="en-CA"/>
           </a:p>
@@ -4713,7 +4713,7 @@
           <a:p>
             <a:fld id="{E8B6CBB8-59B9-4B15-862E-9F9EA068EDD7}" type="datetimeFigureOut">
               <a:rPr lang="en-CA" smtClean="0"/>
-              <a:t>2017-04-07</a:t>
+              <a:t>2017-04-16</a:t>
             </a:fld>
             <a:endParaRPr lang="en-CA"/>
           </a:p>
@@ -4990,7 +4990,7 @@
           <a:p>
             <a:fld id="{E8B6CBB8-59B9-4B15-862E-9F9EA068EDD7}" type="datetimeFigureOut">
               <a:rPr lang="en-CA" smtClean="0"/>
-              <a:t>2017-04-07</a:t>
+              <a:t>2017-04-16</a:t>
             </a:fld>
             <a:endParaRPr lang="en-CA"/>
           </a:p>
@@ -5243,7 +5243,7 @@
           <a:p>
             <a:fld id="{E8B6CBB8-59B9-4B15-862E-9F9EA068EDD7}" type="datetimeFigureOut">
               <a:rPr lang="en-CA" smtClean="0"/>
-              <a:t>2017-04-07</a:t>
+              <a:t>2017-04-16</a:t>
             </a:fld>
             <a:endParaRPr lang="en-CA"/>
           </a:p>
@@ -5456,7 +5456,7 @@
           <a:p>
             <a:fld id="{E8B6CBB8-59B9-4B15-862E-9F9EA068EDD7}" type="datetimeFigureOut">
               <a:rPr lang="en-CA" smtClean="0"/>
-              <a:t>2017-04-07</a:t>
+              <a:t>2017-04-16</a:t>
             </a:fld>
             <a:endParaRPr lang="en-CA"/>
           </a:p>
@@ -12404,44 +12404,6 @@
           </a:p>
         </p:txBody>
       </p:sp>
-      <p:sp>
-        <p:nvSpPr>
-          <p:cNvPr id="38" name="Isosceles Triangle 37"/>
-          <p:cNvSpPr/>
-          <p:nvPr/>
-        </p:nvSpPr>
-        <p:spPr>
-          <a:xfrm>
-            <a:off x="6171656" y="3845315"/>
-            <a:ext cx="535614" cy="501506"/>
-          </a:xfrm>
-          <a:prstGeom prst="triangle">
-            <a:avLst/>
-          </a:prstGeom>
-        </p:spPr>
-        <p:style>
-          <a:lnRef idx="2">
-            <a:schemeClr val="dk1"/>
-          </a:lnRef>
-          <a:fillRef idx="1">
-            <a:schemeClr val="lt1"/>
-          </a:fillRef>
-          <a:effectRef idx="0">
-            <a:schemeClr val="dk1"/>
-          </a:effectRef>
-          <a:fontRef idx="minor">
-            <a:schemeClr val="dk1"/>
-          </a:fontRef>
-        </p:style>
-        <p:txBody>
-          <a:bodyPr rtlCol="0" anchor="ctr"/>
-          <a:lstStyle/>
-          <a:p>
-            <a:pPr algn="ctr"/>
-            <a:endParaRPr lang="en-CA" sz="800" dirty="0"/>
-          </a:p>
-        </p:txBody>
-      </p:sp>
       <p:cxnSp>
         <p:nvCxnSpPr>
           <p:cNvPr id="39" name="Straight Arrow Connector 38"/>
@@ -12516,42 +12478,6 @@
       </p:cxnSp>
       <p:cxnSp>
         <p:nvCxnSpPr>
-          <p:cNvPr id="43" name="Straight Arrow Connector 42"/>
-          <p:cNvCxnSpPr>
-            <a:stCxn id="21" idx="2"/>
-            <a:endCxn id="38" idx="0"/>
-          </p:cNvCxnSpPr>
-          <p:nvPr/>
-        </p:nvCxnSpPr>
-        <p:spPr>
-          <a:xfrm flipH="1">
-            <a:off x="6439463" y="3001823"/>
-            <a:ext cx="934051" cy="843492"/>
-          </a:xfrm>
-          <a:prstGeom prst="straightConnector1">
-            <a:avLst/>
-          </a:prstGeom>
-          <a:ln>
-            <a:tailEnd type="triangle"/>
-          </a:ln>
-        </p:spPr>
-        <p:style>
-          <a:lnRef idx="3">
-            <a:schemeClr val="dk1"/>
-          </a:lnRef>
-          <a:fillRef idx="0">
-            <a:schemeClr val="dk1"/>
-          </a:fillRef>
-          <a:effectRef idx="2">
-            <a:schemeClr val="dk1"/>
-          </a:effectRef>
-          <a:fontRef idx="minor">
-            <a:schemeClr val="tx1"/>
-          </a:fontRef>
-        </p:style>
-      </p:cxnSp>
-      <p:cxnSp>
-        <p:nvCxnSpPr>
           <p:cNvPr id="45" name="Straight Arrow Connector 44"/>
           <p:cNvCxnSpPr>
             <a:stCxn id="21" idx="2"/>
@@ -12694,14 +12620,14 @@
       </p:sp>
       <p:sp>
         <p:nvSpPr>
-          <p:cNvPr id="50" name="TextBox 49"/>
+          <p:cNvPr id="51" name="TextBox 50"/>
           <p:cNvSpPr txBox="1"/>
           <p:nvPr/>
         </p:nvSpPr>
         <p:spPr>
           <a:xfrm>
-            <a:off x="5636905" y="4411219"/>
-            <a:ext cx="1224295" cy="415498"/>
+            <a:off x="6941816" y="4452158"/>
+            <a:ext cx="678043" cy="900246"/>
           </a:xfrm>
           <a:prstGeom prst="rect">
             <a:avLst/>
@@ -12720,43 +12646,8 @@
           <a:lstStyle/>
           <a:p>
             <a:r>
-              <a:rPr lang="en-CA" sz="1050" dirty="0" smtClean="0"/>
+              <a:rPr lang="en-CA" sz="1050" dirty="0"/>
               <a:t>Clean user data for noise filter</a:t>
-            </a:r>
-            <a:endParaRPr lang="en-CA" sz="1050" dirty="0"/>
-          </a:p>
-        </p:txBody>
-      </p:sp>
-      <p:sp>
-        <p:nvSpPr>
-          <p:cNvPr id="51" name="TextBox 50"/>
-          <p:cNvSpPr txBox="1"/>
-          <p:nvPr/>
-        </p:nvSpPr>
-        <p:spPr>
-          <a:xfrm>
-            <a:off x="6941816" y="4452158"/>
-            <a:ext cx="678043" cy="577081"/>
-          </a:xfrm>
-          <a:prstGeom prst="rect">
-            <a:avLst/>
-          </a:prstGeom>
-          <a:noFill/>
-          <a:ln>
-            <a:solidFill>
-              <a:schemeClr val="bg1"/>
-            </a:solidFill>
-          </a:ln>
-        </p:spPr>
-        <p:txBody>
-          <a:bodyPr wrap="square" rtlCol="0">
-            <a:spAutoFit/>
-          </a:bodyPr>
-          <a:lstStyle/>
-          <a:p>
-            <a:r>
-              <a:rPr lang="en-CA" sz="1050" dirty="0" smtClean="0"/>
-              <a:t>Secure user data</a:t>
             </a:r>
             <a:endParaRPr lang="en-CA" sz="1050" dirty="0"/>
           </a:p>
@@ -13197,7 +13088,7 @@
         <p:spPr>
           <a:xfrm>
             <a:off x="3388564" y="1337348"/>
-            <a:ext cx="2009600" cy="577081"/>
+            <a:ext cx="2009600" cy="738664"/>
           </a:xfrm>
           <a:prstGeom prst="rect">
             <a:avLst/>
@@ -13217,7 +13108,23 @@
           <a:p>
             <a:r>
               <a:rPr lang="en-CA" sz="1050" dirty="0" smtClean="0"/>
-              <a:t>Provide user contextual information and historic data to the Recommender System</a:t>
+              <a:t>Provide</a:t>
+            </a:r>
+            <a:r>
+              <a:rPr lang="en-CA" sz="1050" dirty="0" smtClean="0"/>
+              <a:t> user’s </a:t>
+            </a:r>
+            <a:r>
+              <a:rPr lang="en-CA" sz="1050" dirty="0" smtClean="0"/>
+              <a:t>contextual information </a:t>
+            </a:r>
+            <a:r>
+              <a:rPr lang="en-CA" sz="1050" dirty="0" smtClean="0"/>
+              <a:t>and user’s </a:t>
+            </a:r>
+            <a:r>
+              <a:rPr lang="en-CA" sz="1050" dirty="0" smtClean="0"/>
+              <a:t>historic data to the Recommender System</a:t>
             </a:r>
             <a:endParaRPr lang="en-CA" sz="1050" dirty="0"/>
           </a:p>
@@ -13892,7 +13799,7 @@
         <p:spPr>
           <a:xfrm>
             <a:off x="1247809" y="4411219"/>
-            <a:ext cx="1224295" cy="415498"/>
+            <a:ext cx="1224295" cy="577081"/>
           </a:xfrm>
           <a:prstGeom prst="rect">
             <a:avLst/>
@@ -13912,7 +13819,15 @@
           <a:p>
             <a:r>
               <a:rPr lang="en-CA" sz="1050" dirty="0" smtClean="0"/>
-              <a:t>Maintain user’s privacy settings</a:t>
+              <a:t>Maintain user’s </a:t>
+            </a:r>
+            <a:r>
+              <a:rPr lang="en-CA" sz="1050" dirty="0" smtClean="0"/>
+              <a:t>contextual data privacy </a:t>
+            </a:r>
+            <a:r>
+              <a:rPr lang="en-CA" sz="1050" dirty="0" smtClean="0"/>
+              <a:t>settings</a:t>
             </a:r>
             <a:endParaRPr lang="en-CA" sz="1050" dirty="0"/>
           </a:p>
@@ -13927,7 +13842,7 @@
         <p:spPr>
           <a:xfrm>
             <a:off x="2387180" y="4428554"/>
-            <a:ext cx="1075688" cy="577081"/>
+            <a:ext cx="1075688" cy="738664"/>
           </a:xfrm>
           <a:prstGeom prst="rect">
             <a:avLst/>
@@ -13947,7 +13862,11 @@
           <a:p>
             <a:r>
               <a:rPr lang="en-CA" sz="1050" dirty="0" smtClean="0"/>
-              <a:t>Filter out Noise data from the system</a:t>
+              <a:t>Filter out </a:t>
+            </a:r>
+            <a:r>
+              <a:rPr lang="en-CA" sz="1050" dirty="0" smtClean="0"/>
+              <a:t>contextual data based on the privacy settings</a:t>
             </a:r>
             <a:endParaRPr lang="en-CA" sz="1050" dirty="0"/>
           </a:p>
@@ -13961,8 +13880,8 @@
         </p:nvSpPr>
         <p:spPr>
           <a:xfrm>
-            <a:off x="5299853" y="4527233"/>
-            <a:ext cx="881300" cy="1061829"/>
+            <a:off x="6181153" y="4460585"/>
+            <a:ext cx="881300" cy="900246"/>
           </a:xfrm>
           <a:prstGeom prst="rect">
             <a:avLst/>
@@ -13982,7 +13901,23 @@
           <a:p>
             <a:r>
               <a:rPr lang="en-CA" sz="1050" dirty="0" smtClean="0"/>
-              <a:t>Select the most appropriate historic data for the given scenario</a:t>
+              <a:t>Select </a:t>
+            </a:r>
+            <a:r>
+              <a:rPr lang="en-CA" sz="1050" dirty="0" smtClean="0"/>
+              <a:t>relevant historic </a:t>
+            </a:r>
+            <a:r>
+              <a:rPr lang="en-CA" sz="1050" dirty="0" smtClean="0"/>
+              <a:t>data for </a:t>
+            </a:r>
+            <a:r>
+              <a:rPr lang="en-CA" sz="1050" dirty="0" smtClean="0"/>
+              <a:t>a </a:t>
+            </a:r>
+            <a:r>
+              <a:rPr lang="en-CA" sz="1050" dirty="0" smtClean="0"/>
+              <a:t>given scenario</a:t>
             </a:r>
             <a:endParaRPr lang="en-CA" sz="1050" dirty="0"/>
           </a:p>
@@ -13996,8 +13931,8 @@
         </p:nvSpPr>
         <p:spPr>
           <a:xfrm>
-            <a:off x="6137902" y="4512079"/>
-            <a:ext cx="832160" cy="900246"/>
+            <a:off x="5447841" y="4462286"/>
+            <a:ext cx="690061" cy="1061829"/>
           </a:xfrm>
           <a:prstGeom prst="rect">
             <a:avLst/>
@@ -14017,7 +13952,15 @@
           <a:p>
             <a:r>
               <a:rPr lang="en-CA" sz="1050" dirty="0" smtClean="0"/>
-              <a:t>Maintain user’s historic data settings</a:t>
+              <a:t>Maintain user’s historic </a:t>
+            </a:r>
+            <a:r>
+              <a:rPr lang="en-CA" sz="1050" dirty="0" smtClean="0"/>
+              <a:t>data privacy </a:t>
+            </a:r>
+            <a:r>
+              <a:rPr lang="en-CA" sz="1050" dirty="0" smtClean="0"/>
+              <a:t>settings</a:t>
             </a:r>
             <a:endParaRPr lang="en-CA" sz="1050" dirty="0"/>
           </a:p>
@@ -14777,15 +14720,7 @@
           <a:p>
             <a:r>
               <a:rPr lang="en-CA" sz="1050" dirty="0" smtClean="0"/>
-              <a:t>Data </a:t>
-            </a:r>
-            <a:r>
-              <a:rPr lang="en-CA" sz="1050" dirty="0" smtClean="0"/>
-              <a:t>Manager </a:t>
-            </a:r>
-            <a:r>
-              <a:rPr lang="en-CA" sz="1050" dirty="0" smtClean="0"/>
-              <a:t>Agent</a:t>
+              <a:t>Data Manager Agent</a:t>
             </a:r>
             <a:endParaRPr lang="en-CA" sz="1050" dirty="0"/>
           </a:p>
@@ -15217,7 +15152,7 @@
           <a:p>
             <a:r>
               <a:rPr lang="en-CA" sz="1050" dirty="0" smtClean="0"/>
-              <a:t>Updating data sources/destinations</a:t>
+              <a:t>Check for data authenticity</a:t>
             </a:r>
             <a:endParaRPr lang="en-CA" sz="1050" dirty="0"/>
           </a:p>
@@ -15232,7 +15167,7 @@
         <p:spPr>
           <a:xfrm>
             <a:off x="6865651" y="4287959"/>
-            <a:ext cx="1224295" cy="577081"/>
+            <a:ext cx="1224295" cy="415498"/>
           </a:xfrm>
           <a:prstGeom prst="rect">
             <a:avLst/>
@@ -15252,7 +15187,11 @@
           <a:p>
             <a:r>
               <a:rPr lang="en-CA" sz="1050" dirty="0" smtClean="0"/>
-              <a:t>Distribute data between servers and data matching</a:t>
+              <a:t>Distribute data between </a:t>
+            </a:r>
+            <a:r>
+              <a:rPr lang="en-CA" sz="1050" dirty="0" smtClean="0"/>
+              <a:t>servers</a:t>
             </a:r>
             <a:endParaRPr lang="en-CA" sz="1050" dirty="0"/>
           </a:p>
